--- a/SathyaPramod.pptx
+++ b/SathyaPramod.pptx
@@ -228,7 +228,7 @@
             <a:fld id="{C8D4A8B7-C6B3-44F2-899D-13899FFDF144}" type="datetimeFigureOut">
               <a:rPr lang="en-US" smtClean="0"/>
               <a:pPr/>
-              <a:t>27-07-2020</a:t>
+              <a:t>30-07-2020</a:t>
             </a:fld>
             <a:endParaRPr lang="en-US"/>
           </a:p>
@@ -395,7 +395,7 @@
             <a:fld id="{6A6EB11C-CA3A-4E45-BAAA-A7CDE8AD6380}" type="datetimeFigureOut">
               <a:rPr lang="en-US" smtClean="0"/>
               <a:pPr/>
-              <a:t>27-07-2020</a:t>
+              <a:t>30-07-2020</a:t>
             </a:fld>
             <a:endParaRPr lang="en-IN"/>
           </a:p>
@@ -952,7 +952,7 @@
             <a:fld id="{DBBE2287-2510-49FE-9FC5-4AEB0F6EC822}" type="datetimeFigureOut">
               <a:rPr lang="en-IN" smtClean="0"/>
               <a:pPr/>
-              <a:t>27-07-2020</a:t>
+              <a:t>30-07-2020</a:t>
             </a:fld>
             <a:endParaRPr lang="en-IN"/>
           </a:p>
@@ -1154,7 +1154,7 @@
             <a:fld id="{DBBE2287-2510-49FE-9FC5-4AEB0F6EC822}" type="datetimeFigureOut">
               <a:rPr lang="en-IN" smtClean="0"/>
               <a:pPr/>
-              <a:t>27-07-2020</a:t>
+              <a:t>30-07-2020</a:t>
             </a:fld>
             <a:endParaRPr lang="en-IN"/>
           </a:p>
@@ -1366,7 +1366,7 @@
             <a:fld id="{DBBE2287-2510-49FE-9FC5-4AEB0F6EC822}" type="datetimeFigureOut">
               <a:rPr lang="en-IN" smtClean="0"/>
               <a:pPr/>
-              <a:t>27-07-2020</a:t>
+              <a:t>30-07-2020</a:t>
             </a:fld>
             <a:endParaRPr lang="en-IN"/>
           </a:p>
@@ -1568,7 +1568,7 @@
             <a:fld id="{DBBE2287-2510-49FE-9FC5-4AEB0F6EC822}" type="datetimeFigureOut">
               <a:rPr lang="en-IN" smtClean="0"/>
               <a:pPr/>
-              <a:t>27-07-2020</a:t>
+              <a:t>30-07-2020</a:t>
             </a:fld>
             <a:endParaRPr lang="en-IN"/>
           </a:p>
@@ -1846,7 +1846,7 @@
             <a:fld id="{DBBE2287-2510-49FE-9FC5-4AEB0F6EC822}" type="datetimeFigureOut">
               <a:rPr lang="en-IN" smtClean="0"/>
               <a:pPr/>
-              <a:t>27-07-2020</a:t>
+              <a:t>30-07-2020</a:t>
             </a:fld>
             <a:endParaRPr lang="en-IN"/>
           </a:p>
@@ -2166,7 +2166,7 @@
             <a:fld id="{DBBE2287-2510-49FE-9FC5-4AEB0F6EC822}" type="datetimeFigureOut">
               <a:rPr lang="en-IN" smtClean="0"/>
               <a:pPr/>
-              <a:t>27-07-2020</a:t>
+              <a:t>30-07-2020</a:t>
             </a:fld>
             <a:endParaRPr lang="en-IN"/>
           </a:p>
@@ -2620,7 +2620,7 @@
             <a:fld id="{DBBE2287-2510-49FE-9FC5-4AEB0F6EC822}" type="datetimeFigureOut">
               <a:rPr lang="en-IN" smtClean="0"/>
               <a:pPr/>
-              <a:t>27-07-2020</a:t>
+              <a:t>30-07-2020</a:t>
             </a:fld>
             <a:endParaRPr lang="en-IN"/>
           </a:p>
@@ -2770,7 +2770,7 @@
             <a:fld id="{DBBE2287-2510-49FE-9FC5-4AEB0F6EC822}" type="datetimeFigureOut">
               <a:rPr lang="en-IN" smtClean="0"/>
               <a:pPr/>
-              <a:t>27-07-2020</a:t>
+              <a:t>30-07-2020</a:t>
             </a:fld>
             <a:endParaRPr lang="en-IN"/>
           </a:p>
@@ -2897,7 +2897,7 @@
             <a:fld id="{DBBE2287-2510-49FE-9FC5-4AEB0F6EC822}" type="datetimeFigureOut">
               <a:rPr lang="en-IN" smtClean="0"/>
               <a:pPr/>
-              <a:t>27-07-2020</a:t>
+              <a:t>30-07-2020</a:t>
             </a:fld>
             <a:endParaRPr lang="en-IN"/>
           </a:p>
@@ -3206,7 +3206,7 @@
             <a:fld id="{DBBE2287-2510-49FE-9FC5-4AEB0F6EC822}" type="datetimeFigureOut">
               <a:rPr lang="en-IN" smtClean="0"/>
               <a:pPr/>
-              <a:t>27-07-2020</a:t>
+              <a:t>30-07-2020</a:t>
             </a:fld>
             <a:endParaRPr lang="en-IN"/>
           </a:p>
@@ -3491,7 +3491,7 @@
             <a:fld id="{DBBE2287-2510-49FE-9FC5-4AEB0F6EC822}" type="datetimeFigureOut">
               <a:rPr lang="en-IN" smtClean="0"/>
               <a:pPr/>
-              <a:t>27-07-2020</a:t>
+              <a:t>30-07-2020</a:t>
             </a:fld>
             <a:endParaRPr lang="en-IN"/>
           </a:p>
@@ -3736,7 +3736,7 @@
             <a:fld id="{DBBE2287-2510-49FE-9FC5-4AEB0F6EC822}" type="datetimeFigureOut">
               <a:rPr lang="en-IN" smtClean="0"/>
               <a:pPr/>
-              <a:t>27-07-2020</a:t>
+              <a:t>30-07-2020</a:t>
             </a:fld>
             <a:endParaRPr lang="en-IN"/>
           </a:p>
@@ -5436,7 +5436,7 @@
                 <a:latin typeface="Times New Roman" pitchFamily="18" charset="0"/>
                 <a:cs typeface="Times New Roman" pitchFamily="18" charset="0"/>
               </a:rPr>
-              <a:t>Heart disease is the Leading cause of death worldwide. This System predicts the arising possibilities of Heart Disease</a:t>
+              <a:t>Heart disease is the Leading cause of death worldwide. Heart failure (HF) occurs when the heart cannot pump enough blood to meet the needs of the body.</a:t>
             </a:r>
           </a:p>
           <a:p>
@@ -5595,7 +5595,7 @@
             <p:ph idx="1"/>
             <p:extLst>
               <p:ext uri="{D42A27DB-BD31-4B8C-83A1-F6EECF244321}">
-                <p14:modId xmlns:p14="http://schemas.microsoft.com/office/powerpoint/2010/main" val="2381785044"/>
+                <p14:modId xmlns:p14="http://schemas.microsoft.com/office/powerpoint/2010/main" val="3546412925"/>
               </p:ext>
             </p:extLst>
           </p:nvPr>
@@ -5608,7 +5608,7 @@
           <a:graphicData uri="http://schemas.openxmlformats.org/drawingml/2006/table">
             <a:tbl>
               <a:tblPr firstRow="1" bandRow="1">
-                <a:tableStyleId>{5C22544A-7EE6-4342-B048-85BDC9FD1C3A}</a:tableStyleId>
+                <a:tableStyleId>{21E4AEA4-8DFA-4A89-87EB-49C32662AFE0}</a:tableStyleId>
               </a:tblPr>
               <a:tblGrid>
                 <a:gridCol w="1320147">
@@ -5807,10 +5807,7 @@
                     <a:lstStyle/>
                     <a:p>
                       <a:r>
-                        <a:rPr lang="en-IN" sz="1400" dirty="0">
-                          <a:latin typeface="Times New Roman" pitchFamily="18" charset="0"/>
-                          <a:cs typeface="Times New Roman" pitchFamily="18" charset="0"/>
-                        </a:rPr>
+                        <a:rPr lang="en-IN" sz="1400" dirty="0"/>
                         <a:t>2016</a:t>
                       </a:r>
                       <a:endParaRPr lang="en-US" sz="1400" dirty="0">
@@ -5827,10 +5824,7 @@
                     <a:lstStyle/>
                     <a:p>
                       <a:r>
-                        <a:rPr lang="en-IN" sz="1400" dirty="0">
-                          <a:latin typeface="Times New Roman" pitchFamily="18" charset="0"/>
-                          <a:cs typeface="Times New Roman" pitchFamily="18" charset="0"/>
-                        </a:rPr>
+                        <a:rPr lang="en-IN" sz="1400" dirty="0"/>
                         <a:t>Data Mining</a:t>
                       </a:r>
                       <a:endParaRPr lang="en-US" sz="1400" dirty="0">
@@ -5848,7 +5842,7 @@
                     <a:p>
                       <a:r>
                         <a:rPr lang="en-US" sz="1400" dirty="0"/>
-                        <a:t>pre-processing of these data sets, from high dimensional to low dimension</a:t>
+                        <a:t>Pre-processing of these data sets, from high dimensional to low dimension</a:t>
                       </a:r>
                     </a:p>
                     <a:p>
@@ -5870,15 +5864,7 @@
                     <a:p>
                       <a:r>
                         <a:rPr lang="en-US" sz="1400" dirty="0"/>
-                        <a:t>An approach proposed in  have worked to improved the accuracy and time </a:t>
-                      </a:r>
-                      <a:r>
-                        <a:rPr lang="en-US" sz="1400" dirty="0" err="1"/>
-                        <a:t>complextity</a:t>
-                      </a:r>
-                      <a:r>
-                        <a:rPr lang="en-US" sz="1400" dirty="0"/>
-                        <a:t> </a:t>
+                        <a:t>An approach proposed in  have worked to improved the accuracy and time complexity.  </a:t>
                       </a:r>
                       <a:endParaRPr lang="en-US" sz="1400" b="0" kern="1200" baseline="0" dirty="0">
                         <a:solidFill>
@@ -5939,10 +5925,7 @@
                     <a:lstStyle/>
                     <a:p>
                       <a:r>
-                        <a:rPr lang="en-IN" sz="1200" dirty="0">
-                          <a:latin typeface="Times New Roman" pitchFamily="18" charset="0"/>
-                          <a:cs typeface="Times New Roman" pitchFamily="18" charset="0"/>
-                        </a:rPr>
+                        <a:rPr lang="en-IN" sz="1200" dirty="0"/>
                         <a:t>2017</a:t>
                       </a:r>
                       <a:endParaRPr lang="en-US" sz="1200" dirty="0">
@@ -5959,10 +5942,7 @@
                     <a:lstStyle/>
                     <a:p>
                       <a:r>
-                        <a:rPr lang="en-IN" sz="1200" dirty="0">
-                          <a:latin typeface="Times New Roman" pitchFamily="18" charset="0"/>
-                          <a:cs typeface="Times New Roman" pitchFamily="18" charset="0"/>
-                        </a:rPr>
+                        <a:rPr lang="en-IN" sz="1200" dirty="0"/>
                         <a:t>Machine Learning </a:t>
                       </a:r>
                       <a:endParaRPr lang="en-US" sz="1200" dirty="0">
@@ -5979,12 +5959,13 @@
                     <a:lstStyle/>
                     <a:p>
                       <a:r>
-                        <a:rPr lang="en-IN" sz="1200" dirty="0">
-                          <a:latin typeface="Times New Roman" pitchFamily="18" charset="0"/>
-                          <a:cs typeface="Times New Roman" pitchFamily="18" charset="0"/>
-                        </a:rPr>
+                        <a:rPr lang="en-IN" sz="1200" dirty="0"/>
                         <a:t>Decision Tree </a:t>
                       </a:r>
+                      <a:endParaRPr lang="en-IN" sz="1200" dirty="0">
+                        <a:latin typeface="Times New Roman" pitchFamily="18" charset="0"/>
+                        <a:cs typeface="Times New Roman" pitchFamily="18" charset="0"/>
+                      </a:endParaRPr>
                     </a:p>
                   </a:txBody>
                   <a:tcPr/>
@@ -5999,12 +5980,17 @@
                           <a:solidFill>
                             <a:schemeClr val="dk1"/>
                           </a:solidFill>
-                          <a:latin typeface="Times New Roman" pitchFamily="18" charset="0"/>
-                          <a:ea typeface="+mn-ea"/>
-                          <a:cs typeface="Times New Roman" pitchFamily="18" charset="0"/>
                         </a:rPr>
                         <a:t>Decision accuracy=69%</a:t>
                       </a:r>
+                      <a:endParaRPr lang="en-US" sz="1200" b="0" kern="1200" baseline="0" dirty="0">
+                        <a:solidFill>
+                          <a:schemeClr val="dk1"/>
+                        </a:solidFill>
+                        <a:latin typeface="Times New Roman" pitchFamily="18" charset="0"/>
+                        <a:ea typeface="+mn-ea"/>
+                        <a:cs typeface="Times New Roman" pitchFamily="18" charset="0"/>
+                      </a:endParaRPr>
                     </a:p>
                   </a:txBody>
                   <a:tcPr/>
@@ -6077,7 +6063,7 @@
             <p:ph idx="1"/>
             <p:extLst>
               <p:ext uri="{D42A27DB-BD31-4B8C-83A1-F6EECF244321}">
-                <p14:modId xmlns:p14="http://schemas.microsoft.com/office/powerpoint/2010/main" val="457941939"/>
+                <p14:modId xmlns:p14="http://schemas.microsoft.com/office/powerpoint/2010/main" val="3862751476"/>
               </p:ext>
             </p:extLst>
           </p:nvPr>
@@ -6090,7 +6076,7 @@
           <a:graphicData uri="http://schemas.openxmlformats.org/drawingml/2006/table">
             <a:tbl>
               <a:tblPr firstRow="1" bandRow="1">
-                <a:tableStyleId>{5C22544A-7EE6-4342-B048-85BDC9FD1C3A}</a:tableStyleId>
+                <a:tableStyleId>{21E4AEA4-8DFA-4A89-87EB-49C32662AFE0}</a:tableStyleId>
               </a:tblPr>
               <a:tblGrid>
                 <a:gridCol w="1512642">
@@ -6276,10 +6262,7 @@
                     <a:lstStyle/>
                     <a:p>
                       <a:r>
-                        <a:rPr lang="en-IN" sz="1400" dirty="0">
-                          <a:latin typeface="Times New Roman" pitchFamily="18" charset="0"/>
-                          <a:cs typeface="Times New Roman" pitchFamily="18" charset="0"/>
-                        </a:rPr>
+                        <a:rPr lang="en-IN" sz="1400" dirty="0"/>
                         <a:t>2018</a:t>
                       </a:r>
                       <a:endParaRPr lang="en-US" sz="1400" dirty="0">
@@ -6296,11 +6279,8 @@
                     <a:lstStyle/>
                     <a:p>
                       <a:r>
-                        <a:rPr lang="en-IN" sz="1400" dirty="0">
-                          <a:latin typeface="Times New Roman" pitchFamily="18" charset="0"/>
-                          <a:cs typeface="Times New Roman" pitchFamily="18" charset="0"/>
-                        </a:rPr>
-                        <a:t>Machine Learning</a:t>
+                        <a:rPr lang="en-IN" sz="1400" dirty="0"/>
+                        <a:t>Deep Learning</a:t>
                       </a:r>
                       <a:endParaRPr lang="en-US" sz="1400" dirty="0">
                         <a:latin typeface="Times New Roman" pitchFamily="18" charset="0"/>
@@ -6333,10 +6313,7 @@
                     <a:lstStyle/>
                     <a:p>
                       <a:r>
-                        <a:rPr lang="en-IN" sz="1400" dirty="0">
-                          <a:latin typeface="Times New Roman" pitchFamily="18" charset="0"/>
-                          <a:cs typeface="Times New Roman" pitchFamily="18" charset="0"/>
-                        </a:rPr>
+                        <a:rPr lang="en-IN" sz="1400" dirty="0"/>
                         <a:t> Accuracy =64%</a:t>
                       </a:r>
                       <a:endParaRPr lang="en-US" sz="1400" dirty="0">
@@ -6364,12 +6341,17 @@
                           <a:solidFill>
                             <a:schemeClr val="dk1"/>
                           </a:solidFill>
-                          <a:latin typeface="+mn-lt"/>
-                          <a:ea typeface="+mn-ea"/>
-                          <a:cs typeface="+mn-cs"/>
                         </a:rPr>
                         <a:t>Prediction of Heart Disease Using Machine Learning Algorithms</a:t>
                       </a:r>
+                      <a:endParaRPr lang="en-US" sz="1400" kern="1200" dirty="0">
+                        <a:solidFill>
+                          <a:schemeClr val="dk1"/>
+                        </a:solidFill>
+                        <a:latin typeface="+mn-lt"/>
+                        <a:ea typeface="+mn-ea"/>
+                        <a:cs typeface="+mn-cs"/>
+                      </a:endParaRPr>
                     </a:p>
                   </a:txBody>
                   <a:tcPr/>
@@ -6413,10 +6395,7 @@
                     <a:lstStyle/>
                     <a:p>
                       <a:r>
-                        <a:rPr lang="en-IN" sz="1200" dirty="0">
-                          <a:latin typeface="Times New Roman" pitchFamily="18" charset="0"/>
-                          <a:cs typeface="Times New Roman" pitchFamily="18" charset="0"/>
-                        </a:rPr>
+                        <a:rPr lang="en-IN" sz="1200" dirty="0"/>
                         <a:t>2019</a:t>
                       </a:r>
                       <a:endParaRPr lang="en-US" sz="1200" dirty="0">
@@ -6433,10 +6412,7 @@
                     <a:lstStyle/>
                     <a:p>
                       <a:r>
-                        <a:rPr lang="en-IN" sz="1200" dirty="0">
-                          <a:latin typeface="Times New Roman" pitchFamily="18" charset="0"/>
-                          <a:cs typeface="Times New Roman" pitchFamily="18" charset="0"/>
-                        </a:rPr>
+                        <a:rPr lang="en-IN" sz="1200" dirty="0"/>
                         <a:t>Machine Learning </a:t>
                       </a:r>
                       <a:endParaRPr lang="en-US" sz="1200" dirty="0">
@@ -6453,15 +6429,8 @@
                     <a:lstStyle/>
                     <a:p>
                       <a:r>
-                        <a:rPr lang="en-US" sz="1200" dirty="0">
-                          <a:latin typeface="Times New Roman" pitchFamily="18" charset="0"/>
-                          <a:cs typeface="Times New Roman" pitchFamily="18" charset="0"/>
-                        </a:rPr>
-                        <a:t>Decision Tree, KNN, </a:t>
-                      </a:r>
-                      <a:r>
                         <a:rPr lang="en-US" sz="1200" dirty="0"/>
-                        <a:t>Naive Bayes Algorithm</a:t>
+                        <a:t>Decision Tree, KNN, Naive Bayes Algorithm</a:t>
                       </a:r>
                       <a:endParaRPr lang="en-US" sz="1200" dirty="0">
                         <a:latin typeface="Times New Roman" pitchFamily="18" charset="0"/>
@@ -6477,43 +6446,28 @@
                     <a:lstStyle/>
                     <a:p>
                       <a:r>
-                        <a:rPr lang="en-IN" sz="1200" dirty="0">
-                          <a:latin typeface="Times New Roman" pitchFamily="18" charset="0"/>
-                          <a:cs typeface="Times New Roman" pitchFamily="18" charset="0"/>
-                        </a:rPr>
+                        <a:rPr lang="en-IN" sz="1200" dirty="0"/>
                         <a:t>Accuracy:</a:t>
                       </a:r>
                     </a:p>
                     <a:p>
-                      <a:endParaRPr lang="en-IN" sz="1200" dirty="0">
-                        <a:latin typeface="Times New Roman" pitchFamily="18" charset="0"/>
-                        <a:cs typeface="Times New Roman" pitchFamily="18" charset="0"/>
-                      </a:endParaRPr>
+                      <a:endParaRPr lang="en-IN" sz="1200" dirty="0"/>
                     </a:p>
                     <a:p>
                       <a:r>
-                        <a:rPr lang="en-IN" sz="1200" dirty="0">
-                          <a:latin typeface="Times New Roman" pitchFamily="18" charset="0"/>
-                          <a:cs typeface="Times New Roman" pitchFamily="18" charset="0"/>
-                        </a:rPr>
+                        <a:rPr lang="en-IN" sz="1200" dirty="0"/>
                         <a:t>Decision Tree=68%</a:t>
                       </a:r>
                     </a:p>
                     <a:p>
                       <a:r>
-                        <a:rPr lang="en-IN" sz="1200" dirty="0">
-                          <a:latin typeface="Times New Roman" pitchFamily="18" charset="0"/>
-                          <a:cs typeface="Times New Roman" pitchFamily="18" charset="0"/>
-                        </a:rPr>
+                        <a:rPr lang="en-IN" sz="1200" dirty="0"/>
                         <a:t>KNN =78%</a:t>
                       </a:r>
                     </a:p>
                     <a:p>
                       <a:r>
-                        <a:rPr lang="en-IN" sz="1200" dirty="0">
-                          <a:latin typeface="Times New Roman" pitchFamily="18" charset="0"/>
-                          <a:cs typeface="Times New Roman" pitchFamily="18" charset="0"/>
-                        </a:rPr>
+                        <a:rPr lang="en-IN" sz="1200" dirty="0"/>
                         <a:t>Naïve Bayes =65%</a:t>
                       </a:r>
                     </a:p>
@@ -6666,7 +6620,7 @@
             <p:ph idx="1"/>
             <p:extLst>
               <p:ext uri="{D42A27DB-BD31-4B8C-83A1-F6EECF244321}">
-                <p14:modId xmlns:p14="http://schemas.microsoft.com/office/powerpoint/2010/main" val="3596518583"/>
+                <p14:modId xmlns:p14="http://schemas.microsoft.com/office/powerpoint/2010/main" val="2296247429"/>
               </p:ext>
             </p:extLst>
           </p:nvPr>
@@ -6679,7 +6633,7 @@
           <a:graphicData uri="http://schemas.openxmlformats.org/drawingml/2006/table">
             <a:tbl>
               <a:tblPr firstRow="1" bandRow="1">
-                <a:tableStyleId>{5C22544A-7EE6-4342-B048-85BDC9FD1C3A}</a:tableStyleId>
+                <a:tableStyleId>{21E4AEA4-8DFA-4A89-87EB-49C32662AFE0}</a:tableStyleId>
               </a:tblPr>
               <a:tblGrid>
                 <a:gridCol w="1364461">
@@ -6882,10 +6836,7 @@
                     <a:lstStyle/>
                     <a:p>
                       <a:r>
-                        <a:rPr lang="en-IN" sz="1400" dirty="0">
-                          <a:latin typeface="Times New Roman" pitchFamily="18" charset="0"/>
-                          <a:cs typeface="Times New Roman" pitchFamily="18" charset="0"/>
-                        </a:rPr>
+                        <a:rPr lang="en-IN" sz="1400" dirty="0"/>
                         <a:t>2016</a:t>
                       </a:r>
                       <a:endParaRPr lang="en-US" sz="1400" dirty="0">
@@ -6902,10 +6853,7 @@
                     <a:lstStyle/>
                     <a:p>
                       <a:r>
-                        <a:rPr lang="en-IN" sz="1400" dirty="0">
-                          <a:latin typeface="Times New Roman" pitchFamily="18" charset="0"/>
-                          <a:cs typeface="Times New Roman" pitchFamily="18" charset="0"/>
-                        </a:rPr>
+                        <a:rPr lang="en-IN" sz="1400" dirty="0"/>
                         <a:t>Data Mining</a:t>
                       </a:r>
                       <a:endParaRPr lang="en-US" sz="1400" dirty="0">
@@ -6998,9 +6946,6 @@
                           <a:solidFill>
                             <a:schemeClr val="dk1"/>
                           </a:solidFill>
-                          <a:latin typeface="+mn-lt"/>
-                          <a:ea typeface="+mn-ea"/>
-                          <a:cs typeface="+mn-cs"/>
                         </a:rPr>
                         <a:t>Machine learning can predict survival of patients with heart failure from serum creatinine and ejection fraction alone</a:t>
                       </a:r>
@@ -7041,9 +6986,6 @@
                           <a:solidFill>
                             <a:schemeClr val="dk1"/>
                           </a:solidFill>
-                          <a:latin typeface="+mn-lt"/>
-                          <a:ea typeface="+mn-ea"/>
-                          <a:cs typeface="+mn-cs"/>
                         </a:rPr>
                         <a:t>Davide Chicco &amp; </a:t>
                       </a:r>
@@ -7054,9 +6996,6 @@
                           <a:solidFill>
                             <a:schemeClr val="dk1"/>
                           </a:solidFill>
-                          <a:latin typeface="+mn-lt"/>
-                          <a:ea typeface="+mn-ea"/>
-                          <a:cs typeface="+mn-cs"/>
                         </a:rPr>
                         <a:t>Giuseppe </a:t>
                       </a:r>
@@ -7065,9 +7004,6 @@
                           <a:solidFill>
                             <a:schemeClr val="dk1"/>
                           </a:solidFill>
-                          <a:latin typeface="+mn-lt"/>
-                          <a:ea typeface="+mn-ea"/>
-                          <a:cs typeface="+mn-cs"/>
                         </a:rPr>
                         <a:t>Jurman</a:t>
                       </a:r>
@@ -7076,9 +7012,6 @@
                           <a:solidFill>
                             <a:schemeClr val="dk1"/>
                           </a:solidFill>
-                          <a:latin typeface="+mn-lt"/>
-                          <a:ea typeface="+mn-ea"/>
-                          <a:cs typeface="+mn-cs"/>
                         </a:rPr>
                         <a:t> </a:t>
                       </a:r>
@@ -7098,12 +7031,13 @@
                     <a:lstStyle/>
                     <a:p>
                       <a:r>
-                        <a:rPr lang="en-US" sz="1400" dirty="0">
-                          <a:latin typeface="Times New Roman" pitchFamily="18" charset="0"/>
-                          <a:cs typeface="Times New Roman" pitchFamily="18" charset="0"/>
-                        </a:rPr>
-                        <a:t>2019</a:t>
+                        <a:rPr lang="en-US" sz="1400" dirty="0"/>
+                        <a:t>2020</a:t>
                       </a:r>
+                      <a:endParaRPr lang="en-US" sz="1400" dirty="0">
+                        <a:latin typeface="Times New Roman" pitchFamily="18" charset="0"/>
+                        <a:cs typeface="Times New Roman" pitchFamily="18" charset="0"/>
+                      </a:endParaRPr>
                     </a:p>
                   </a:txBody>
                   <a:tcPr/>
@@ -7114,12 +7048,13 @@
                     <a:lstStyle/>
                     <a:p>
                       <a:r>
-                        <a:rPr lang="en-US" sz="1400" dirty="0">
-                          <a:latin typeface="Times New Roman" pitchFamily="18" charset="0"/>
-                          <a:cs typeface="Times New Roman" pitchFamily="18" charset="0"/>
-                        </a:rPr>
+                        <a:rPr lang="en-US" sz="1400" dirty="0"/>
                         <a:t>Machine Learning</a:t>
                       </a:r>
+                      <a:endParaRPr lang="en-US" sz="1400" dirty="0">
+                        <a:latin typeface="Times New Roman" pitchFamily="18" charset="0"/>
+                        <a:cs typeface="Times New Roman" pitchFamily="18" charset="0"/>
+                      </a:endParaRPr>
                     </a:p>
                   </a:txBody>
                   <a:tcPr/>
@@ -7130,10 +7065,7 @@
                     <a:lstStyle/>
                     <a:p>
                       <a:r>
-                        <a:rPr lang="en-US" sz="1400" dirty="0">
-                          <a:latin typeface="Times New Roman" pitchFamily="18" charset="0"/>
-                          <a:cs typeface="Times New Roman" pitchFamily="18" charset="0"/>
-                        </a:rPr>
+                        <a:rPr lang="en-US" sz="1400" dirty="0"/>
                         <a:t>KNN, SVM, </a:t>
                       </a:r>
                       <a:r>
@@ -7141,28 +7073,23 @@
                           <a:solidFill>
                             <a:schemeClr val="dk1"/>
                           </a:solidFill>
-                          <a:latin typeface="Times New Roman" pitchFamily="18" charset="0"/>
-                          <a:ea typeface="+mn-ea"/>
-                          <a:cs typeface="Times New Roman" pitchFamily="18" charset="0"/>
                         </a:rPr>
                         <a:t>Random</a:t>
                       </a:r>
                       <a:r>
-                        <a:rPr lang="en-US" sz="1400" dirty="0">
-                          <a:latin typeface="Times New Roman" pitchFamily="18" charset="0"/>
-                          <a:cs typeface="Times New Roman" pitchFamily="18" charset="0"/>
-                        </a:rPr>
+                        <a:rPr lang="en-US" sz="1400" dirty="0"/>
                         <a:t> Forest,</a:t>
                       </a:r>
                     </a:p>
                     <a:p>
                       <a:r>
-                        <a:rPr lang="en-US" sz="1400" dirty="0">
-                          <a:latin typeface="Times New Roman" pitchFamily="18" charset="0"/>
-                          <a:cs typeface="Times New Roman" pitchFamily="18" charset="0"/>
-                        </a:rPr>
+                        <a:rPr lang="en-US" sz="1400" dirty="0"/>
                         <a:t>Decision tree</a:t>
                       </a:r>
+                      <a:endParaRPr lang="en-US" sz="1400" dirty="0">
+                        <a:latin typeface="Times New Roman" pitchFamily="18" charset="0"/>
+                        <a:cs typeface="Times New Roman" pitchFamily="18" charset="0"/>
+                      </a:endParaRPr>
                     </a:p>
                   </a:txBody>
                   <a:tcPr/>
@@ -7177,9 +7104,6 @@
                           <a:solidFill>
                             <a:schemeClr val="dk1"/>
                           </a:solidFill>
-                          <a:latin typeface="Times New Roman" pitchFamily="18" charset="0"/>
-                          <a:ea typeface="+mn-ea"/>
-                          <a:cs typeface="Times New Roman" pitchFamily="18" charset="0"/>
                         </a:rPr>
                         <a:t>Accuracy:</a:t>
                       </a:r>
@@ -7189,9 +7113,6 @@
                         <a:solidFill>
                           <a:schemeClr val="dk1"/>
                         </a:solidFill>
-                        <a:latin typeface="Times New Roman" pitchFamily="18" charset="0"/>
-                        <a:ea typeface="+mn-ea"/>
-                        <a:cs typeface="Times New Roman" pitchFamily="18" charset="0"/>
                       </a:endParaRPr>
                     </a:p>
                     <a:p>
@@ -7200,9 +7121,6 @@
                           <a:solidFill>
                             <a:schemeClr val="dk1"/>
                           </a:solidFill>
-                          <a:latin typeface="Times New Roman" pitchFamily="18" charset="0"/>
-                          <a:ea typeface="+mn-ea"/>
-                          <a:cs typeface="Times New Roman" pitchFamily="18" charset="0"/>
                         </a:rPr>
                         <a:t>Decision Tree=64%</a:t>
                       </a:r>
@@ -7213,9 +7131,6 @@
                           <a:solidFill>
                             <a:schemeClr val="dk1"/>
                           </a:solidFill>
-                          <a:latin typeface="Times New Roman" pitchFamily="18" charset="0"/>
-                          <a:ea typeface="+mn-ea"/>
-                          <a:cs typeface="Times New Roman" pitchFamily="18" charset="0"/>
                         </a:rPr>
                         <a:t>KNN =78%</a:t>
                       </a:r>
@@ -7226,9 +7141,6 @@
                           <a:solidFill>
                             <a:schemeClr val="dk1"/>
                           </a:solidFill>
-                          <a:latin typeface="Times New Roman" pitchFamily="18" charset="0"/>
-                          <a:ea typeface="+mn-ea"/>
-                          <a:cs typeface="Times New Roman" pitchFamily="18" charset="0"/>
                         </a:rPr>
                         <a:t>SVM =65%</a:t>
                       </a:r>
@@ -7239,12 +7151,17 @@
                           <a:solidFill>
                             <a:schemeClr val="dk1"/>
                           </a:solidFill>
-                          <a:latin typeface="Times New Roman" pitchFamily="18" charset="0"/>
-                          <a:ea typeface="+mn-ea"/>
-                          <a:cs typeface="Times New Roman" pitchFamily="18" charset="0"/>
                         </a:rPr>
                         <a:t>Random Forest=70%</a:t>
                       </a:r>
+                      <a:endParaRPr lang="en-US" sz="1400" kern="1200" dirty="0">
+                        <a:solidFill>
+                          <a:schemeClr val="dk1"/>
+                        </a:solidFill>
+                        <a:latin typeface="Times New Roman" pitchFamily="18" charset="0"/>
+                        <a:ea typeface="+mn-ea"/>
+                        <a:cs typeface="Times New Roman" pitchFamily="18" charset="0"/>
+                      </a:endParaRPr>
                     </a:p>
                   </a:txBody>
                   <a:tcPr/>
@@ -7364,11 +7281,18 @@
               <a:buNone/>
             </a:pPr>
             <a:r>
+              <a:rPr lang="en-US" sz="2400">
+                <a:latin typeface="Times New Roman" pitchFamily="18" charset="0"/>
+                <a:cs typeface="Times New Roman" pitchFamily="18" charset="0"/>
+              </a:rPr>
+              <a:t>	Classification </a:t>
+            </a:r>
+            <a:r>
               <a:rPr lang="en-US" sz="2400" dirty="0">
                 <a:latin typeface="Times New Roman" pitchFamily="18" charset="0"/>
                 <a:cs typeface="Times New Roman" pitchFamily="18" charset="0"/>
               </a:rPr>
-              <a:t>	Predict survival of patients with heart failure based on various machine learning algorithms like Support Vector machine, Decision Tree, Random Forest and Multi-layer Perceptron classifier</a:t>
+              <a:t>survival of patients with heart failure based on various machine learning algorithms like Support Vector machine, Decision Tree, Random Forest and Multi-layer Perceptron classifier</a:t>
             </a:r>
             <a:r>
               <a:rPr lang="en-US" sz="2400" dirty="0"/>

--- a/SathyaPramod.pptx
+++ b/SathyaPramod.pptx
@@ -4145,7 +4145,7 @@
                 <a:latin typeface="Times New Roman" pitchFamily="18" charset="0"/>
                 <a:cs typeface="Times New Roman" pitchFamily="18" charset="0"/>
               </a:rPr>
-              <a:t>Predict survival of patients with heart failure</a:t>
+              <a:t>Classifying the survival of patients with heart failure</a:t>
             </a:r>
             <a:br>
               <a:rPr lang="en-US" b="1" dirty="0"/>
@@ -4720,7 +4720,7 @@
                 <a:latin typeface="Times New Roman" pitchFamily="18" charset="0"/>
                 <a:cs typeface="Times New Roman" pitchFamily="18" charset="0"/>
               </a:rPr>
-              <a:t>Using 5 machine learning algorithms</a:t>
+              <a:t>Using 4 machine learning algorithms</a:t>
             </a:r>
             <a:r>
               <a:rPr lang="en-IN" sz="1600" dirty="0">
@@ -5077,7 +5077,29 @@
                 <a:latin typeface="Times New Roman" pitchFamily="18" charset="0"/>
                 <a:cs typeface="Times New Roman" pitchFamily="18" charset="0"/>
               </a:rPr>
-              <a:t>	Machine Learning algorithms like support vector machine, Decision Tree, Random Forest, MLP Classifier in neural networks have been used for prediction. The comparison of these algorithms has been done based on accuracy which is found through classification report. For the evaluation, it seems that Random forest has given the highest accuracy .  </a:t>
+              <a:t>	Machine Learning algorithms like support vector machine, Decision Tree, Random Forest, MLP Classifier in neural networks have been used for classification. The comparison of these algorithms has been done based on accuracy which is found through classification report. </a:t>
+            </a:r>
+          </a:p>
+          <a:p>
+            <a:pPr algn="just">
+              <a:lnSpc>
+                <a:spcPct val="150000"/>
+              </a:lnSpc>
+              <a:buNone/>
+            </a:pPr>
+            <a:r>
+              <a:rPr lang="en-US" sz="2400">
+                <a:latin typeface="Times New Roman" pitchFamily="18" charset="0"/>
+                <a:cs typeface="Times New Roman" pitchFamily="18" charset="0"/>
+              </a:rPr>
+              <a:t>	For </a:t>
+            </a:r>
+            <a:r>
+              <a:rPr lang="en-US" sz="2400" dirty="0">
+                <a:latin typeface="Times New Roman" pitchFamily="18" charset="0"/>
+                <a:cs typeface="Times New Roman" pitchFamily="18" charset="0"/>
+              </a:rPr>
+              <a:t>the evaluation, it seems that Random forest has given the highest accuracy .  </a:t>
             </a:r>
             <a:endParaRPr lang="en-IN" sz="2400" dirty="0">
               <a:latin typeface="Times New Roman" pitchFamily="18" charset="0"/>
@@ -7281,18 +7303,11 @@
               <a:buNone/>
             </a:pPr>
             <a:r>
-              <a:rPr lang="en-US" sz="2400">
-                <a:latin typeface="Times New Roman" pitchFamily="18" charset="0"/>
-                <a:cs typeface="Times New Roman" pitchFamily="18" charset="0"/>
-              </a:rPr>
-              <a:t>	Classification </a:t>
-            </a:r>
-            <a:r>
               <a:rPr lang="en-US" sz="2400" dirty="0">
                 <a:latin typeface="Times New Roman" pitchFamily="18" charset="0"/>
                 <a:cs typeface="Times New Roman" pitchFamily="18" charset="0"/>
               </a:rPr>
-              <a:t>survival of patients with heart failure based on various machine learning algorithms like Support Vector machine, Decision Tree, Random Forest and Multi-layer Perceptron classifier</a:t>
+              <a:t>	Classification survival of patients with heart failure based on various machine learning algorithms like Support Vector machine, Decision Tree, Random Forest and Multi-layer Perceptron classifier</a:t>
             </a:r>
             <a:r>
               <a:rPr lang="en-US" sz="2400" dirty="0"/>
@@ -7446,7 +7461,7 @@
                 <a:ea typeface="Tahoma" pitchFamily="34" charset="0"/>
                 <a:cs typeface="Times New Roman" pitchFamily="18" charset="0"/>
               </a:rPr>
-              <a:t> dataset consists of 400 instances and 13 attributes collected from UCI machine learning repository.</a:t>
+              <a:t> dataset consists of 300 instances and 13 attributes collected from UCI machine learning repository.</a:t>
             </a:r>
           </a:p>
           <a:p>

--- a/SathyaPramod.pptx
+++ b/SathyaPramod.pptx
@@ -5,26 +5,27 @@
     <p:sldMasterId id="2147483648" r:id="rId1"/>
   </p:sldMasterIdLst>
   <p:notesMasterIdLst>
-    <p:notesMasterId r:id="rId16"/>
+    <p:notesMasterId r:id="rId17"/>
   </p:notesMasterIdLst>
   <p:handoutMasterIdLst>
-    <p:handoutMasterId r:id="rId17"/>
+    <p:handoutMasterId r:id="rId18"/>
   </p:handoutMasterIdLst>
   <p:sldIdLst>
     <p:sldId id="272" r:id="rId2"/>
     <p:sldId id="259" r:id="rId3"/>
     <p:sldId id="274" r:id="rId4"/>
-    <p:sldId id="275" r:id="rId5"/>
-    <p:sldId id="276" r:id="rId6"/>
-    <p:sldId id="277" r:id="rId7"/>
-    <p:sldId id="261" r:id="rId8"/>
-    <p:sldId id="263" r:id="rId9"/>
-    <p:sldId id="270" r:id="rId10"/>
-    <p:sldId id="271" r:id="rId11"/>
-    <p:sldId id="264" r:id="rId12"/>
-    <p:sldId id="273" r:id="rId13"/>
-    <p:sldId id="265" r:id="rId14"/>
-    <p:sldId id="267" r:id="rId15"/>
+    <p:sldId id="261" r:id="rId5"/>
+    <p:sldId id="263" r:id="rId6"/>
+    <p:sldId id="270" r:id="rId7"/>
+    <p:sldId id="271" r:id="rId8"/>
+    <p:sldId id="264" r:id="rId9"/>
+    <p:sldId id="275" r:id="rId10"/>
+    <p:sldId id="276" r:id="rId11"/>
+    <p:sldId id="277" r:id="rId12"/>
+    <p:sldId id="278" r:id="rId13"/>
+    <p:sldId id="273" r:id="rId14"/>
+    <p:sldId id="265" r:id="rId15"/>
+    <p:sldId id="267" r:id="rId16"/>
   </p:sldIdLst>
   <p:sldSz cx="9144000" cy="6858000" type="screen4x3"/>
   <p:notesSz cx="6858000" cy="9144000"/>
@@ -228,7 +229,7 @@
             <a:fld id="{C8D4A8B7-C6B3-44F2-899D-13899FFDF144}" type="datetimeFigureOut">
               <a:rPr lang="en-US" smtClean="0"/>
               <a:pPr/>
-              <a:t>30-07-2020</a:t>
+              <a:t>01-08-2020</a:t>
             </a:fld>
             <a:endParaRPr lang="en-US"/>
           </a:p>
@@ -395,7 +396,7 @@
             <a:fld id="{6A6EB11C-CA3A-4E45-BAAA-A7CDE8AD6380}" type="datetimeFigureOut">
               <a:rPr lang="en-US" smtClean="0"/>
               <a:pPr/>
-              <a:t>30-07-2020</a:t>
+              <a:t>01-08-2020</a:t>
             </a:fld>
             <a:endParaRPr lang="en-IN"/>
           </a:p>
@@ -952,7 +953,7 @@
             <a:fld id="{DBBE2287-2510-49FE-9FC5-4AEB0F6EC822}" type="datetimeFigureOut">
               <a:rPr lang="en-IN" smtClean="0"/>
               <a:pPr/>
-              <a:t>30-07-2020</a:t>
+              <a:t>01-08-2020</a:t>
             </a:fld>
             <a:endParaRPr lang="en-IN"/>
           </a:p>
@@ -1154,7 +1155,7 @@
             <a:fld id="{DBBE2287-2510-49FE-9FC5-4AEB0F6EC822}" type="datetimeFigureOut">
               <a:rPr lang="en-IN" smtClean="0"/>
               <a:pPr/>
-              <a:t>30-07-2020</a:t>
+              <a:t>01-08-2020</a:t>
             </a:fld>
             <a:endParaRPr lang="en-IN"/>
           </a:p>
@@ -1366,7 +1367,7 @@
             <a:fld id="{DBBE2287-2510-49FE-9FC5-4AEB0F6EC822}" type="datetimeFigureOut">
               <a:rPr lang="en-IN" smtClean="0"/>
               <a:pPr/>
-              <a:t>30-07-2020</a:t>
+              <a:t>01-08-2020</a:t>
             </a:fld>
             <a:endParaRPr lang="en-IN"/>
           </a:p>
@@ -1568,7 +1569,7 @@
             <a:fld id="{DBBE2287-2510-49FE-9FC5-4AEB0F6EC822}" type="datetimeFigureOut">
               <a:rPr lang="en-IN" smtClean="0"/>
               <a:pPr/>
-              <a:t>30-07-2020</a:t>
+              <a:t>01-08-2020</a:t>
             </a:fld>
             <a:endParaRPr lang="en-IN"/>
           </a:p>
@@ -1846,7 +1847,7 @@
             <a:fld id="{DBBE2287-2510-49FE-9FC5-4AEB0F6EC822}" type="datetimeFigureOut">
               <a:rPr lang="en-IN" smtClean="0"/>
               <a:pPr/>
-              <a:t>30-07-2020</a:t>
+              <a:t>01-08-2020</a:t>
             </a:fld>
             <a:endParaRPr lang="en-IN"/>
           </a:p>
@@ -2166,7 +2167,7 @@
             <a:fld id="{DBBE2287-2510-49FE-9FC5-4AEB0F6EC822}" type="datetimeFigureOut">
               <a:rPr lang="en-IN" smtClean="0"/>
               <a:pPr/>
-              <a:t>30-07-2020</a:t>
+              <a:t>01-08-2020</a:t>
             </a:fld>
             <a:endParaRPr lang="en-IN"/>
           </a:p>
@@ -2620,7 +2621,7 @@
             <a:fld id="{DBBE2287-2510-49FE-9FC5-4AEB0F6EC822}" type="datetimeFigureOut">
               <a:rPr lang="en-IN" smtClean="0"/>
               <a:pPr/>
-              <a:t>30-07-2020</a:t>
+              <a:t>01-08-2020</a:t>
             </a:fld>
             <a:endParaRPr lang="en-IN"/>
           </a:p>
@@ -2770,7 +2771,7 @@
             <a:fld id="{DBBE2287-2510-49FE-9FC5-4AEB0F6EC822}" type="datetimeFigureOut">
               <a:rPr lang="en-IN" smtClean="0"/>
               <a:pPr/>
-              <a:t>30-07-2020</a:t>
+              <a:t>01-08-2020</a:t>
             </a:fld>
             <a:endParaRPr lang="en-IN"/>
           </a:p>
@@ -2897,7 +2898,7 @@
             <a:fld id="{DBBE2287-2510-49FE-9FC5-4AEB0F6EC822}" type="datetimeFigureOut">
               <a:rPr lang="en-IN" smtClean="0"/>
               <a:pPr/>
-              <a:t>30-07-2020</a:t>
+              <a:t>01-08-2020</a:t>
             </a:fld>
             <a:endParaRPr lang="en-IN"/>
           </a:p>
@@ -3206,7 +3207,7 @@
             <a:fld id="{DBBE2287-2510-49FE-9FC5-4AEB0F6EC822}" type="datetimeFigureOut">
               <a:rPr lang="en-IN" smtClean="0"/>
               <a:pPr/>
-              <a:t>30-07-2020</a:t>
+              <a:t>01-08-2020</a:t>
             </a:fld>
             <a:endParaRPr lang="en-IN"/>
           </a:p>
@@ -3491,7 +3492,7 @@
             <a:fld id="{DBBE2287-2510-49FE-9FC5-4AEB0F6EC822}" type="datetimeFigureOut">
               <a:rPr lang="en-IN" smtClean="0"/>
               <a:pPr/>
-              <a:t>30-07-2020</a:t>
+              <a:t>01-08-2020</a:t>
             </a:fld>
             <a:endParaRPr lang="en-IN"/>
           </a:p>
@@ -3736,7 +3737,7 @@
             <a:fld id="{DBBE2287-2510-49FE-9FC5-4AEB0F6EC822}" type="datetimeFigureOut">
               <a:rPr lang="en-IN" smtClean="0"/>
               <a:pPr/>
-              <a:t>30-07-2020</a:t>
+              <a:t>01-08-2020</a:t>
             </a:fld>
             <a:endParaRPr lang="en-IN"/>
           </a:p>
@@ -4145,21 +4146,7 @@
                 <a:latin typeface="Times New Roman" pitchFamily="18" charset="0"/>
                 <a:cs typeface="Times New Roman" pitchFamily="18" charset="0"/>
               </a:rPr>
-              <a:t>Classifying the survival of patients with heart failure</a:t>
-            </a:r>
-            <a:br>
-              <a:rPr lang="en-US" b="1" dirty="0"/>
-            </a:br>
-            <a:r>
-              <a:rPr lang="en-IN" sz="3200" dirty="0">
-                <a:solidFill>
-                  <a:schemeClr val="bg1"/>
-                </a:solidFill>
-                <a:latin typeface="Times New Roman" pitchFamily="18" charset="0"/>
-                <a:ea typeface="Liberation Sans" panose="020B0604020202020204" pitchFamily="34" charset="0"/>
-                <a:cs typeface="Times New Roman" pitchFamily="18" charset="0"/>
-              </a:rPr>
-              <a:t>using Various Machine Learning Algorithms</a:t>
+              <a:t>Machine Learning application and classify the survival of patients with heart failure</a:t>
             </a:r>
             <a:endParaRPr lang="en-US" sz="3200" dirty="0">
               <a:solidFill>
@@ -4278,6 +4265,17 @@
               </a:lnSpc>
             </a:pPr>
             <a:r>
+              <a:rPr lang="en-IN" sz="2900" dirty="0" err="1">
+                <a:solidFill>
+                  <a:schemeClr val="tx1"/>
+                </a:solidFill>
+                <a:latin typeface="Times New Roman" pitchFamily="18" charset="0"/>
+                <a:ea typeface="Liberation Sans" panose="020B0604020202020204" pitchFamily="34" charset="0"/>
+                <a:cs typeface="Times New Roman" pitchFamily="18" charset="0"/>
+              </a:rPr>
+              <a:t>Dr.</a:t>
+            </a:r>
+            <a:r>
               <a:rPr lang="en-IN" sz="2900" dirty="0">
                 <a:solidFill>
                   <a:schemeClr val="tx1"/>
@@ -4286,7 +4284,7 @@
                 <a:ea typeface="Liberation Sans" panose="020B0604020202020204" pitchFamily="34" charset="0"/>
                 <a:cs typeface="Times New Roman" pitchFamily="18" charset="0"/>
               </a:rPr>
-              <a:t>Prof. Umesh K K</a:t>
+              <a:t> Umesh K K</a:t>
             </a:r>
             <a:endParaRPr lang="en-US" sz="2900" dirty="0">
               <a:solidFill>
@@ -4504,7 +4502,13 @@
       </p:grpSpPr>
       <p:sp>
         <p:nvSpPr>
-          <p:cNvPr id="2" name="Title 1"/>
+          <p:cNvPr id="2" name="Title 1">
+            <a:extLst>
+              <a:ext uri="{FF2B5EF4-FFF2-40B4-BE49-F238E27FC236}">
+                <a16:creationId xmlns:a16="http://schemas.microsoft.com/office/drawing/2014/main" id="{2E09B083-6D49-44BD-A9B7-DEDEE3DD5AF1}"/>
+              </a:ext>
+            </a:extLst>
+          </p:cNvPr>
           <p:cNvSpPr>
             <a:spLocks noGrp="1"/>
           </p:cNvSpPr>
@@ -4512,129 +4516,93 @@
             <p:ph type="title"/>
           </p:nvPr>
         </p:nvSpPr>
+        <p:spPr/>
+        <p:txBody>
+          <a:bodyPr/>
+          <a:lstStyle/>
+          <a:p>
+            <a:r>
+              <a:rPr lang="en-US" dirty="0"/>
+              <a:t>Decision Tree	</a:t>
+            </a:r>
+          </a:p>
+        </p:txBody>
+      </p:sp>
+      <p:pic>
+        <p:nvPicPr>
+          <p:cNvPr id="5" name="Content Placeholder 4">
+            <a:extLst>
+              <a:ext uri="{FF2B5EF4-FFF2-40B4-BE49-F238E27FC236}">
+                <a16:creationId xmlns:a16="http://schemas.microsoft.com/office/drawing/2014/main" id="{8613A278-F285-4FE5-B595-5378E3002248}"/>
+              </a:ext>
+            </a:extLst>
+          </p:cNvPr>
+          <p:cNvPicPr>
+            <a:picLocks noGrp="1" noChangeAspect="1"/>
+          </p:cNvPicPr>
+          <p:nvPr>
+            <p:ph idx="1"/>
+          </p:nvPr>
+        </p:nvPicPr>
+        <p:blipFill>
+          <a:blip r:embed="rId2">
+            <a:extLst>
+              <a:ext uri="{28A0092B-C50C-407E-A947-70E740481C1C}">
+                <a14:useLocalDpi xmlns:a14="http://schemas.microsoft.com/office/drawing/2010/main" val="0"/>
+              </a:ext>
+            </a:extLst>
+          </a:blip>
+          <a:stretch>
+            <a:fillRect/>
+          </a:stretch>
+        </p:blipFill>
         <p:spPr>
           <a:xfrm>
-            <a:off x="467544" y="404664"/>
-            <a:ext cx="8229600" cy="1143000"/>
+            <a:off x="755577" y="1628800"/>
+            <a:ext cx="5112567" cy="4392487"/>
           </a:xfrm>
         </p:spPr>
-        <p:txBody>
-          <a:bodyPr/>
-          <a:lstStyle/>
-          <a:p>
-            <a:r>
-              <a:rPr lang="en-US" b="1">
-                <a:latin typeface="Times New Roman" pitchFamily="18" charset="0"/>
-                <a:cs typeface="Times New Roman" pitchFamily="18" charset="0"/>
-              </a:rPr>
-              <a:t>Workflow </a:t>
-            </a:r>
-            <a:endParaRPr lang="en-IN" b="1" dirty="0">
-              <a:latin typeface="Times New Roman" pitchFamily="18" charset="0"/>
-              <a:cs typeface="Times New Roman" pitchFamily="18" charset="0"/>
-            </a:endParaRPr>
-          </a:p>
-        </p:txBody>
-      </p:sp>
-      <p:sp>
-        <p:nvSpPr>
-          <p:cNvPr id="3" name="Content Placeholder 2"/>
-          <p:cNvSpPr>
-            <a:spLocks noGrp="1"/>
-          </p:cNvSpPr>
-          <p:nvPr>
-            <p:ph idx="1"/>
-          </p:nvPr>
-        </p:nvSpPr>
+      </p:pic>
+      <p:pic>
+        <p:nvPicPr>
+          <p:cNvPr id="7" name="Picture 6">
+            <a:extLst>
+              <a:ext uri="{FF2B5EF4-FFF2-40B4-BE49-F238E27FC236}">
+                <a16:creationId xmlns:a16="http://schemas.microsoft.com/office/drawing/2014/main" id="{CBF91150-EEE6-48B5-80BF-9DB4146D22C6}"/>
+              </a:ext>
+            </a:extLst>
+          </p:cNvPr>
+          <p:cNvPicPr>
+            <a:picLocks noChangeAspect="1"/>
+          </p:cNvPicPr>
+          <p:nvPr/>
+        </p:nvPicPr>
+        <p:blipFill>
+          <a:blip r:embed="rId3">
+            <a:extLst>
+              <a:ext uri="{28A0092B-C50C-407E-A947-70E740481C1C}">
+                <a14:useLocalDpi xmlns:a14="http://schemas.microsoft.com/office/drawing/2010/main" val="0"/>
+              </a:ext>
+            </a:extLst>
+          </a:blip>
+          <a:stretch>
+            <a:fillRect/>
+          </a:stretch>
+        </p:blipFill>
         <p:spPr>
           <a:xfrm>
-            <a:off x="457200" y="1700808"/>
-            <a:ext cx="8229600" cy="4525963"/>
+            <a:off x="6550925" y="2300130"/>
+            <a:ext cx="2581635" cy="2257740"/>
           </a:xfrm>
+          <a:prstGeom prst="rect">
+            <a:avLst/>
+          </a:prstGeom>
         </p:spPr>
-        <p:txBody>
-          <a:bodyPr>
-            <a:noAutofit/>
-          </a:bodyPr>
-          <a:lstStyle/>
-          <a:p>
-            <a:pPr marL="0" indent="0" algn="just">
-              <a:lnSpc>
-                <a:spcPct val="170000"/>
-              </a:lnSpc>
-              <a:spcBef>
-                <a:spcPts val="0"/>
-              </a:spcBef>
-            </a:pPr>
-            <a:r>
-              <a:rPr lang="en-US" sz="2000" dirty="0">
-                <a:latin typeface="Times New Roman" pitchFamily="18" charset="0"/>
-                <a:cs typeface="Times New Roman" pitchFamily="18" charset="0"/>
-              </a:rPr>
-              <a:t>   In the first step, we collect the data from the repository and categorized the dataset. </a:t>
-            </a:r>
-          </a:p>
-          <a:p>
-            <a:pPr marL="0" indent="0" algn="just">
-              <a:lnSpc>
-                <a:spcPct val="170000"/>
-              </a:lnSpc>
-              <a:spcBef>
-                <a:spcPts val="0"/>
-              </a:spcBef>
-            </a:pPr>
-            <a:r>
-              <a:rPr lang="en-US" sz="2000" dirty="0">
-                <a:latin typeface="Times New Roman" pitchFamily="18" charset="0"/>
-                <a:cs typeface="Times New Roman" pitchFamily="18" charset="0"/>
-              </a:rPr>
-              <a:t>Second step we preprocess the data like cleaning the data, handling missing values, converting data using label encoder and transform the data. </a:t>
-            </a:r>
-          </a:p>
-          <a:p>
-            <a:pPr marL="0" indent="0" algn="just">
-              <a:lnSpc>
-                <a:spcPct val="170000"/>
-              </a:lnSpc>
-              <a:spcBef>
-                <a:spcPts val="0"/>
-              </a:spcBef>
-            </a:pPr>
-            <a:r>
-              <a:rPr lang="en-US" sz="2000" dirty="0">
-                <a:latin typeface="Times New Roman" pitchFamily="18" charset="0"/>
-                <a:cs typeface="Times New Roman" pitchFamily="18" charset="0"/>
-              </a:rPr>
-              <a:t>Third step model is trained to predict the unseen data. The training model used 80% of the data and 20% is for test model.</a:t>
-            </a:r>
-          </a:p>
-          <a:p>
-            <a:pPr marL="0" indent="0" algn="just">
-              <a:lnSpc>
-                <a:spcPct val="170000"/>
-              </a:lnSpc>
-              <a:spcBef>
-                <a:spcPts val="0"/>
-              </a:spcBef>
-            </a:pPr>
-            <a:r>
-              <a:rPr lang="en-US" sz="2000" dirty="0">
-                <a:latin typeface="Times New Roman" pitchFamily="18" charset="0"/>
-                <a:cs typeface="Times New Roman" pitchFamily="18" charset="0"/>
-              </a:rPr>
-              <a:t> In the final step the we predict the accuracy of survival of heart patients. </a:t>
-            </a:r>
-            <a:endParaRPr lang="en-IN" sz="2000" dirty="0">
-              <a:latin typeface="Times New Roman" pitchFamily="18" charset="0"/>
-              <a:cs typeface="Times New Roman" pitchFamily="18" charset="0"/>
-            </a:endParaRPr>
-          </a:p>
-        </p:txBody>
-      </p:sp>
+      </p:pic>
     </p:spTree>
     <p:extLst>
       <p:ext uri="{BB962C8B-B14F-4D97-AF65-F5344CB8AC3E}">
-        <p14:creationId xmlns:p14="http://schemas.microsoft.com/office/powerpoint/2010/main" val="340434316"/>
+        <p14:creationId xmlns:p14="http://schemas.microsoft.com/office/powerpoint/2010/main" val="1996625323"/>
       </p:ext>
     </p:extLst>
   </p:cSld>
@@ -4663,7 +4631,13 @@
       </p:grpSpPr>
       <p:sp>
         <p:nvSpPr>
-          <p:cNvPr id="2" name="Title 1"/>
+          <p:cNvPr id="2" name="Title 1">
+            <a:extLst>
+              <a:ext uri="{FF2B5EF4-FFF2-40B4-BE49-F238E27FC236}">
+                <a16:creationId xmlns:a16="http://schemas.microsoft.com/office/drawing/2014/main" id="{4365D8EF-9332-43BF-B4BC-78B231925901}"/>
+              </a:ext>
+            </a:extLst>
+          </p:cNvPr>
           <p:cNvSpPr>
             <a:spLocks noGrp="1"/>
           </p:cNvSpPr>
@@ -4677,211 +4651,53 @@
           <a:lstStyle/>
           <a:p>
             <a:r>
-              <a:rPr lang="en-IN" b="1" dirty="0">
-                <a:latin typeface="Times New Roman" pitchFamily="18" charset="0"/>
-                <a:cs typeface="Times New Roman" pitchFamily="18" charset="0"/>
-              </a:rPr>
-              <a:t>Implementation</a:t>
-            </a:r>
-          </a:p>
-        </p:txBody>
-      </p:sp>
-      <p:sp>
-        <p:nvSpPr>
-          <p:cNvPr id="3" name="Content Placeholder 2"/>
-          <p:cNvSpPr>
-            <a:spLocks noGrp="1"/>
-          </p:cNvSpPr>
+              <a:rPr lang="en-US" dirty="0"/>
+              <a:t>Random Forest </a:t>
+            </a:r>
+          </a:p>
+        </p:txBody>
+      </p:sp>
+      <p:pic>
+        <p:nvPicPr>
+          <p:cNvPr id="5" name="Content Placeholder 4">
+            <a:extLst>
+              <a:ext uri="{FF2B5EF4-FFF2-40B4-BE49-F238E27FC236}">
+                <a16:creationId xmlns:a16="http://schemas.microsoft.com/office/drawing/2014/main" id="{C4C959A3-4E8F-4F5D-AC13-A41996BBB8F1}"/>
+              </a:ext>
+            </a:extLst>
+          </p:cNvPr>
+          <p:cNvPicPr>
+            <a:picLocks noGrp="1" noChangeAspect="1"/>
+          </p:cNvPicPr>
           <p:nvPr>
             <p:ph idx="1"/>
           </p:nvPr>
-        </p:nvSpPr>
+        </p:nvPicPr>
+        <p:blipFill>
+          <a:blip r:embed="rId2">
+            <a:extLst>
+              <a:ext uri="{28A0092B-C50C-407E-A947-70E740481C1C}">
+                <a14:useLocalDpi xmlns:a14="http://schemas.microsoft.com/office/drawing/2010/main" val="0"/>
+              </a:ext>
+            </a:extLst>
+          </a:blip>
+          <a:stretch>
+            <a:fillRect/>
+          </a:stretch>
+        </p:blipFill>
         <p:spPr>
           <a:xfrm>
-            <a:off x="357158" y="1268760"/>
-            <a:ext cx="8143932" cy="5160636"/>
+            <a:off x="755576" y="1748631"/>
+            <a:ext cx="7632848" cy="4229100"/>
           </a:xfrm>
         </p:spPr>
-        <p:txBody>
-          <a:bodyPr>
-            <a:noAutofit/>
-          </a:bodyPr>
-          <a:lstStyle/>
-          <a:p>
-            <a:pPr algn="just">
-              <a:lnSpc>
-                <a:spcPct val="150000"/>
-              </a:lnSpc>
-              <a:buFont typeface="Wingdings" pitchFamily="2" charset="2"/>
-              <a:buChar char="§"/>
-            </a:pPr>
-            <a:r>
-              <a:rPr lang="en-IN" sz="1800" b="1" dirty="0">
-                <a:latin typeface="Times New Roman" pitchFamily="18" charset="0"/>
-                <a:cs typeface="Times New Roman" pitchFamily="18" charset="0"/>
-              </a:rPr>
-              <a:t>Using 4 machine learning algorithms</a:t>
-            </a:r>
-            <a:r>
-              <a:rPr lang="en-IN" sz="1600" dirty="0">
-                <a:latin typeface="Times New Roman" pitchFamily="18" charset="0"/>
-                <a:cs typeface="Times New Roman" pitchFamily="18" charset="0"/>
-              </a:rPr>
-              <a:t>:</a:t>
-            </a:r>
-          </a:p>
-          <a:p>
-            <a:pPr marL="457200" lvl="1" indent="0" algn="just">
-              <a:lnSpc>
-                <a:spcPct val="150000"/>
-              </a:lnSpc>
-              <a:buNone/>
-            </a:pPr>
-            <a:r>
-              <a:rPr lang="en-IN" sz="1600" b="1" dirty="0">
-                <a:latin typeface="Times New Roman" pitchFamily="18" charset="0"/>
-                <a:cs typeface="Times New Roman" pitchFamily="18" charset="0"/>
-              </a:rPr>
-              <a:t>- </a:t>
-            </a:r>
-            <a:r>
-              <a:rPr lang="en-IN" sz="1600" dirty="0">
-                <a:latin typeface="Times New Roman" pitchFamily="18" charset="0"/>
-                <a:cs typeface="Times New Roman" pitchFamily="18" charset="0"/>
-              </a:rPr>
-              <a:t>Decision Tree </a:t>
-            </a:r>
-            <a:r>
-              <a:rPr lang="en-US" sz="1600" dirty="0">
-                <a:latin typeface="Times New Roman" pitchFamily="18" charset="0"/>
-                <a:cs typeface="Times New Roman" pitchFamily="18" charset="0"/>
-              </a:rPr>
-              <a:t>Classifier</a:t>
-            </a:r>
-            <a:endParaRPr lang="en-IN" sz="1600" dirty="0">
-              <a:latin typeface="Times New Roman" pitchFamily="18" charset="0"/>
-              <a:cs typeface="Times New Roman" pitchFamily="18" charset="0"/>
-            </a:endParaRPr>
-          </a:p>
-          <a:p>
-            <a:pPr marL="457200" lvl="1" indent="0" algn="just">
-              <a:lnSpc>
-                <a:spcPct val="150000"/>
-              </a:lnSpc>
-              <a:buFontTx/>
-              <a:buChar char="-"/>
-            </a:pPr>
-            <a:r>
-              <a:rPr lang="en-IN" sz="1600" dirty="0">
-                <a:latin typeface="Times New Roman" pitchFamily="18" charset="0"/>
-                <a:cs typeface="Times New Roman" pitchFamily="18" charset="0"/>
-              </a:rPr>
-              <a:t> SVM</a:t>
-            </a:r>
-          </a:p>
-          <a:p>
-            <a:pPr marL="457200" lvl="1" indent="0" algn="just">
-              <a:lnSpc>
-                <a:spcPct val="150000"/>
-              </a:lnSpc>
-              <a:buFontTx/>
-              <a:buChar char="-"/>
-            </a:pPr>
-            <a:r>
-              <a:rPr lang="en-IN" sz="1600" dirty="0">
-                <a:latin typeface="Times New Roman" pitchFamily="18" charset="0"/>
-                <a:cs typeface="Times New Roman" pitchFamily="18" charset="0"/>
-              </a:rPr>
-              <a:t> Random Forest </a:t>
-            </a:r>
-          </a:p>
-          <a:p>
-            <a:pPr marL="457200" lvl="1" indent="0" algn="just">
-              <a:lnSpc>
-                <a:spcPct val="150000"/>
-              </a:lnSpc>
-              <a:buFontTx/>
-              <a:buChar char="-"/>
-            </a:pPr>
-            <a:r>
-              <a:rPr lang="en-IN" sz="1600" dirty="0">
-                <a:latin typeface="Times New Roman" pitchFamily="18" charset="0"/>
-                <a:cs typeface="Times New Roman" pitchFamily="18" charset="0"/>
-              </a:rPr>
-              <a:t> MLP</a:t>
-            </a:r>
-          </a:p>
-          <a:p>
-            <a:pPr lvl="1" algn="just">
-              <a:lnSpc>
-                <a:spcPct val="150000"/>
-              </a:lnSpc>
-              <a:buFont typeface="Wingdings" panose="05000000000000000000" pitchFamily="2" charset="2"/>
-              <a:buChar char="§"/>
-            </a:pPr>
-            <a:r>
-              <a:rPr lang="en-IN" sz="1800" b="1" dirty="0">
-                <a:latin typeface="Times New Roman" pitchFamily="18" charset="0"/>
-                <a:cs typeface="Times New Roman" pitchFamily="18" charset="0"/>
-              </a:rPr>
-              <a:t>Performance of different machine learning models in analysed by using metrics such as: </a:t>
-            </a:r>
-          </a:p>
-          <a:p>
-            <a:pPr marL="457200" lvl="1" indent="0" algn="just">
-              <a:lnSpc>
-                <a:spcPct val="150000"/>
-              </a:lnSpc>
-              <a:buNone/>
-            </a:pPr>
-            <a:r>
-              <a:rPr lang="en-IN" sz="1600" b="1" dirty="0">
-                <a:latin typeface="Times New Roman" pitchFamily="18" charset="0"/>
-                <a:cs typeface="Times New Roman" pitchFamily="18" charset="0"/>
-              </a:rPr>
-              <a:t>-  </a:t>
-            </a:r>
-            <a:r>
-              <a:rPr lang="en-IN" sz="1600" dirty="0">
-                <a:latin typeface="Times New Roman" pitchFamily="18" charset="0"/>
-                <a:cs typeface="Times New Roman" pitchFamily="18" charset="0"/>
-              </a:rPr>
-              <a:t>Confusion Metric		-  Recall</a:t>
-            </a:r>
-          </a:p>
-          <a:p>
-            <a:pPr marL="457200" lvl="1" indent="0" algn="just">
-              <a:lnSpc>
-                <a:spcPct val="150000"/>
-              </a:lnSpc>
-              <a:buNone/>
-            </a:pPr>
-            <a:r>
-              <a:rPr lang="en-IN" sz="1600" dirty="0">
-                <a:latin typeface="Times New Roman" pitchFamily="18" charset="0"/>
-                <a:cs typeface="Times New Roman" pitchFamily="18" charset="0"/>
-              </a:rPr>
-              <a:t>-  Accuracy			-  Precision</a:t>
-            </a:r>
-          </a:p>
-          <a:p>
-            <a:pPr marL="457200" lvl="1" indent="0" algn="just">
-              <a:lnSpc>
-                <a:spcPct val="150000"/>
-              </a:lnSpc>
-              <a:buNone/>
-            </a:pPr>
-            <a:r>
-              <a:rPr lang="en-IN" sz="1600" dirty="0">
-                <a:latin typeface="Times New Roman" pitchFamily="18" charset="0"/>
-                <a:cs typeface="Times New Roman" pitchFamily="18" charset="0"/>
-              </a:rPr>
-              <a:t>-  F1-score			-  Support</a:t>
-            </a:r>
-          </a:p>
-        </p:txBody>
-      </p:sp>
+      </p:pic>
     </p:spTree>
+    <p:extLst>
+      <p:ext uri="{BB962C8B-B14F-4D97-AF65-F5344CB8AC3E}">
+        <p14:creationId xmlns:p14="http://schemas.microsoft.com/office/powerpoint/2010/main" val="1852448746"/>
+      </p:ext>
+    </p:extLst>
   </p:cSld>
   <p:clrMapOvr>
     <a:masterClrMapping/>
@@ -4908,7 +4724,13 @@
       </p:grpSpPr>
       <p:sp>
         <p:nvSpPr>
-          <p:cNvPr id="2" name="Title 1"/>
+          <p:cNvPr id="2" name="Title 1">
+            <a:extLst>
+              <a:ext uri="{FF2B5EF4-FFF2-40B4-BE49-F238E27FC236}">
+                <a16:creationId xmlns:a16="http://schemas.microsoft.com/office/drawing/2014/main" id="{3BE1BAC8-96BB-4392-BED3-C2F7A8BEA918}"/>
+              </a:ext>
+            </a:extLst>
+          </p:cNvPr>
           <p:cNvSpPr>
             <a:spLocks noGrp="1"/>
           </p:cNvSpPr>
@@ -4922,79 +4744,53 @@
           <a:lstStyle/>
           <a:p>
             <a:r>
-              <a:rPr lang="en-IN" b="1" dirty="0">
-                <a:latin typeface="Times New Roman" pitchFamily="18" charset="0"/>
-                <a:cs typeface="Times New Roman" pitchFamily="18" charset="0"/>
-              </a:rPr>
-              <a:t>Result Analysis</a:t>
-            </a:r>
-            <a:endParaRPr lang="en-US" dirty="0"/>
-          </a:p>
-        </p:txBody>
-      </p:sp>
-      <p:sp>
-        <p:nvSpPr>
-          <p:cNvPr id="5" name="Content Placeholder 4"/>
-          <p:cNvSpPr>
-            <a:spLocks noGrp="1"/>
-          </p:cNvSpPr>
+              <a:rPr lang="en-US" dirty="0"/>
+              <a:t>MLP</a:t>
+            </a:r>
+          </a:p>
+        </p:txBody>
+      </p:sp>
+      <p:pic>
+        <p:nvPicPr>
+          <p:cNvPr id="5" name="Content Placeholder 4">
+            <a:extLst>
+              <a:ext uri="{FF2B5EF4-FFF2-40B4-BE49-F238E27FC236}">
+                <a16:creationId xmlns:a16="http://schemas.microsoft.com/office/drawing/2014/main" id="{DFAF5EFB-1333-4B48-A75F-E92F56EA095B}"/>
+              </a:ext>
+            </a:extLst>
+          </p:cNvPr>
+          <p:cNvPicPr>
+            <a:picLocks noGrp="1" noChangeAspect="1"/>
+          </p:cNvPicPr>
           <p:nvPr>
             <p:ph idx="1"/>
           </p:nvPr>
-        </p:nvSpPr>
-        <p:spPr/>
-        <p:txBody>
-          <a:bodyPr/>
-          <a:lstStyle/>
-          <a:p>
-            <a:r>
-              <a:rPr lang="en-IN" dirty="0"/>
-              <a:t>The accuracies Obtained for various Machine Learning Algorithms is as follows:</a:t>
-            </a:r>
-          </a:p>
-          <a:p>
-            <a:pPr marL="0" indent="0">
-              <a:buNone/>
-            </a:pPr>
-            <a:endParaRPr lang="en-IN" dirty="0"/>
-          </a:p>
-          <a:p>
-            <a:pPr lvl="1"/>
-            <a:r>
-              <a:rPr lang="en-IN" dirty="0"/>
-              <a:t>SVM accuracy : 76%</a:t>
-            </a:r>
-          </a:p>
-          <a:p>
-            <a:pPr lvl="1"/>
-            <a:r>
-              <a:rPr lang="en-IN" dirty="0"/>
-              <a:t>Decision Tree : 75%</a:t>
-            </a:r>
-          </a:p>
-          <a:p>
-            <a:pPr lvl="1"/>
-            <a:r>
-              <a:rPr lang="en-IN" dirty="0"/>
-              <a:t>Random Forest: 80%</a:t>
-            </a:r>
-          </a:p>
-          <a:p>
-            <a:pPr lvl="1"/>
-            <a:r>
-              <a:rPr lang="en-IN" dirty="0"/>
-              <a:t>MLP Classifier: 73%</a:t>
-            </a:r>
-          </a:p>
-          <a:p>
-            <a:pPr>
-              <a:buNone/>
-            </a:pPr>
-            <a:endParaRPr lang="en-US" dirty="0"/>
-          </a:p>
-        </p:txBody>
-      </p:sp>
+        </p:nvPicPr>
+        <p:blipFill>
+          <a:blip r:embed="rId2" cstate="print">
+            <a:extLst>
+              <a:ext uri="{28A0092B-C50C-407E-A947-70E740481C1C}">
+                <a14:useLocalDpi xmlns:a14="http://schemas.microsoft.com/office/drawing/2010/main" val="0"/>
+              </a:ext>
+            </a:extLst>
+          </a:blip>
+          <a:stretch>
+            <a:fillRect/>
+          </a:stretch>
+        </p:blipFill>
+        <p:spPr>
+          <a:xfrm>
+            <a:off x="457200" y="1805781"/>
+            <a:ext cx="8229600" cy="4114800"/>
+          </a:xfrm>
+        </p:spPr>
+      </p:pic>
     </p:spTree>
+    <p:extLst>
+      <p:ext uri="{BB962C8B-B14F-4D97-AF65-F5344CB8AC3E}">
+        <p14:creationId xmlns:p14="http://schemas.microsoft.com/office/powerpoint/2010/main" val="3066718266"/>
+      </p:ext>
+    </p:extLst>
   </p:cSld>
   <p:clrMapOvr>
     <a:masterClrMapping/>
@@ -5039,14 +4835,15 @@
                 <a:latin typeface="Times New Roman" pitchFamily="18" charset="0"/>
                 <a:cs typeface="Times New Roman" pitchFamily="18" charset="0"/>
               </a:rPr>
-              <a:t>Conclusion</a:t>
-            </a:r>
-          </a:p>
-        </p:txBody>
-      </p:sp>
-      <p:sp>
-        <p:nvSpPr>
-          <p:cNvPr id="3" name="Content Placeholder 2"/>
+              <a:t>Result Analysis</a:t>
+            </a:r>
+            <a:endParaRPr lang="en-US" dirty="0"/>
+          </a:p>
+        </p:txBody>
+      </p:sp>
+      <p:sp>
+        <p:nvSpPr>
+          <p:cNvPr id="5" name="Content Placeholder 4"/>
           <p:cNvSpPr>
             <a:spLocks noGrp="1"/>
           </p:cNvSpPr>
@@ -5054,57 +4851,60 @@
             <p:ph idx="1"/>
           </p:nvPr>
         </p:nvSpPr>
-        <p:spPr>
-          <a:xfrm>
-            <a:off x="457200" y="1916832"/>
-            <a:ext cx="8229600" cy="4197361"/>
-          </a:xfrm>
-        </p:spPr>
-        <p:txBody>
-          <a:bodyPr>
-            <a:noAutofit/>
-          </a:bodyPr>
-          <a:lstStyle/>
-          <a:p>
-            <a:pPr algn="just">
-              <a:lnSpc>
-                <a:spcPct val="150000"/>
-              </a:lnSpc>
+        <p:spPr/>
+        <p:txBody>
+          <a:bodyPr/>
+          <a:lstStyle/>
+          <a:p>
+            <a:r>
+              <a:rPr lang="en-IN" dirty="0"/>
+              <a:t>The accuracies Obtained for various Machine Learning Algorithms is as follows:</a:t>
+            </a:r>
+          </a:p>
+          <a:p>
+            <a:pPr marL="0" indent="0">
               <a:buNone/>
             </a:pPr>
-            <a:r>
-              <a:rPr lang="en-US" sz="2400" dirty="0">
-                <a:latin typeface="Times New Roman" pitchFamily="18" charset="0"/>
-                <a:cs typeface="Times New Roman" pitchFamily="18" charset="0"/>
-              </a:rPr>
-              <a:t>	Machine Learning algorithms like support vector machine, Decision Tree, Random Forest, MLP Classifier in neural networks have been used for classification. The comparison of these algorithms has been done based on accuracy which is found through classification report. </a:t>
-            </a:r>
-          </a:p>
-          <a:p>
-            <a:pPr algn="just">
-              <a:lnSpc>
-                <a:spcPct val="150000"/>
-              </a:lnSpc>
+            <a:endParaRPr lang="en-IN" dirty="0"/>
+          </a:p>
+          <a:p>
+            <a:pPr lvl="1"/>
+            <a:r>
+              <a:rPr lang="en-IN" dirty="0"/>
+              <a:t>SVM accuracy : 76%</a:t>
+            </a:r>
+          </a:p>
+          <a:p>
+            <a:pPr lvl="1"/>
+            <a:r>
+              <a:rPr lang="en-IN" dirty="0"/>
+              <a:t>Decision Tree : 75%</a:t>
+            </a:r>
+          </a:p>
+          <a:p>
+            <a:pPr lvl="1"/>
+            <a:r>
+              <a:rPr lang="en-IN" dirty="0"/>
+              <a:t>Random Forest: 80%</a:t>
+            </a:r>
+          </a:p>
+          <a:p>
+            <a:pPr lvl="1"/>
+            <a:r>
+              <a:rPr lang="en-IN" dirty="0"/>
+              <a:t>MLP Classifier</a:t>
+            </a:r>
+            <a:r>
+              <a:rPr lang="en-IN"/>
+              <a:t>: 75%</a:t>
+            </a:r>
+            <a:endParaRPr lang="en-IN" dirty="0"/>
+          </a:p>
+          <a:p>
+            <a:pPr>
               <a:buNone/>
             </a:pPr>
-            <a:r>
-              <a:rPr lang="en-US" sz="2400">
-                <a:latin typeface="Times New Roman" pitchFamily="18" charset="0"/>
-                <a:cs typeface="Times New Roman" pitchFamily="18" charset="0"/>
-              </a:rPr>
-              <a:t>	For </a:t>
-            </a:r>
-            <a:r>
-              <a:rPr lang="en-US" sz="2400" dirty="0">
-                <a:latin typeface="Times New Roman" pitchFamily="18" charset="0"/>
-                <a:cs typeface="Times New Roman" pitchFamily="18" charset="0"/>
-              </a:rPr>
-              <a:t>the evaluation, it seems that Random forest has given the highest accuracy .  </a:t>
-            </a:r>
-            <a:endParaRPr lang="en-IN" sz="2400" dirty="0">
-              <a:latin typeface="Times New Roman" pitchFamily="18" charset="0"/>
-              <a:cs typeface="Times New Roman" pitchFamily="18" charset="0"/>
-            </a:endParaRPr>
+            <a:endParaRPr lang="en-US" dirty="0"/>
           </a:p>
         </p:txBody>
       </p:sp>
@@ -5117,6 +4917,113 @@
 </file>
 
 <file path=ppt/slides/slide14.xml><?xml version="1.0" encoding="utf-8"?>
+<p:sld xmlns:a="http://schemas.openxmlformats.org/drawingml/2006/main" xmlns:r="http://schemas.openxmlformats.org/officeDocument/2006/relationships" xmlns:p="http://schemas.openxmlformats.org/presentationml/2006/main">
+  <p:cSld>
+    <p:spTree>
+      <p:nvGrpSpPr>
+        <p:cNvPr id="1" name=""/>
+        <p:cNvGrpSpPr/>
+        <p:nvPr/>
+      </p:nvGrpSpPr>
+      <p:grpSpPr>
+        <a:xfrm>
+          <a:off x="0" y="0"/>
+          <a:ext cx="0" cy="0"/>
+          <a:chOff x="0" y="0"/>
+          <a:chExt cx="0" cy="0"/>
+        </a:xfrm>
+      </p:grpSpPr>
+      <p:sp>
+        <p:nvSpPr>
+          <p:cNvPr id="2" name="Title 1"/>
+          <p:cNvSpPr>
+            <a:spLocks noGrp="1"/>
+          </p:cNvSpPr>
+          <p:nvPr>
+            <p:ph type="title"/>
+          </p:nvPr>
+        </p:nvSpPr>
+        <p:spPr/>
+        <p:txBody>
+          <a:bodyPr/>
+          <a:lstStyle/>
+          <a:p>
+            <a:r>
+              <a:rPr lang="en-IN" b="1" dirty="0">
+                <a:latin typeface="Times New Roman" pitchFamily="18" charset="0"/>
+                <a:cs typeface="Times New Roman" pitchFamily="18" charset="0"/>
+              </a:rPr>
+              <a:t>Conclusion</a:t>
+            </a:r>
+          </a:p>
+        </p:txBody>
+      </p:sp>
+      <p:sp>
+        <p:nvSpPr>
+          <p:cNvPr id="3" name="Content Placeholder 2"/>
+          <p:cNvSpPr>
+            <a:spLocks noGrp="1"/>
+          </p:cNvSpPr>
+          <p:nvPr>
+            <p:ph idx="1"/>
+          </p:nvPr>
+        </p:nvSpPr>
+        <p:spPr>
+          <a:xfrm>
+            <a:off x="457200" y="1916832"/>
+            <a:ext cx="8229600" cy="4197361"/>
+          </a:xfrm>
+        </p:spPr>
+        <p:txBody>
+          <a:bodyPr>
+            <a:noAutofit/>
+          </a:bodyPr>
+          <a:lstStyle/>
+          <a:p>
+            <a:pPr algn="just">
+              <a:lnSpc>
+                <a:spcPct val="150000"/>
+              </a:lnSpc>
+              <a:buNone/>
+            </a:pPr>
+            <a:r>
+              <a:rPr lang="en-US" sz="2400" dirty="0">
+                <a:latin typeface="Times New Roman" pitchFamily="18" charset="0"/>
+                <a:cs typeface="Times New Roman" pitchFamily="18" charset="0"/>
+              </a:rPr>
+              <a:t>	Machine Learning algorithms like support vector machine, Decision Tree, Random Forest, MLP Classifier in neural networks have been used for classification. The comparison of these algorithms has been done based on accuracy which is found through classification report. </a:t>
+            </a:r>
+          </a:p>
+          <a:p>
+            <a:pPr algn="just">
+              <a:lnSpc>
+                <a:spcPct val="150000"/>
+              </a:lnSpc>
+              <a:buNone/>
+            </a:pPr>
+            <a:r>
+              <a:rPr lang="en-US" sz="2400" dirty="0">
+                <a:latin typeface="Times New Roman" pitchFamily="18" charset="0"/>
+                <a:cs typeface="Times New Roman" pitchFamily="18" charset="0"/>
+              </a:rPr>
+              <a:t>	For the evaluation, it seems that Random forest has given the highest accuracy .  </a:t>
+            </a:r>
+            <a:endParaRPr lang="en-IN" sz="2400" dirty="0">
+              <a:latin typeface="Times New Roman" pitchFamily="18" charset="0"/>
+              <a:cs typeface="Times New Roman" pitchFamily="18" charset="0"/>
+            </a:endParaRPr>
+          </a:p>
+        </p:txBody>
+      </p:sp>
+    </p:spTree>
+  </p:cSld>
+  <p:clrMapOvr>
+    <a:masterClrMapping/>
+  </p:clrMapOvr>
+</p:sld>
+</file>
+
+<file path=ppt/slides/slide15.xml><?xml version="1.0" encoding="utf-8"?>
 <p:sld xmlns:a="http://schemas.openxmlformats.org/drawingml/2006/main" xmlns:r="http://schemas.openxmlformats.org/officeDocument/2006/relationships" xmlns:p="http://schemas.openxmlformats.org/presentationml/2006/main">
   <p:cSld>
     <p:spTree>
@@ -5249,7 +5156,7 @@
         <p:spPr/>
         <p:txBody>
           <a:bodyPr>
-            <a:normAutofit fontScale="70000" lnSpcReduction="20000"/>
+            <a:normAutofit fontScale="85000" lnSpcReduction="20000"/>
           </a:bodyPr>
           <a:lstStyle/>
           <a:p>
@@ -5265,24 +5172,6 @@
               </a:rPr>
               <a:t>Introduction</a:t>
             </a:r>
-          </a:p>
-          <a:p>
-            <a:pPr>
-              <a:lnSpc>
-                <a:spcPct val="150000"/>
-              </a:lnSpc>
-            </a:pPr>
-            <a:r>
-              <a:rPr lang="en-IN" dirty="0">
-                <a:latin typeface="Times New Roman" pitchFamily="18" charset="0"/>
-                <a:cs typeface="Times New Roman" pitchFamily="18" charset="0"/>
-              </a:rPr>
-              <a:t>Literature survey</a:t>
-            </a:r>
-            <a:endParaRPr lang="en-US" dirty="0">
-              <a:latin typeface="Times New Roman" pitchFamily="18" charset="0"/>
-              <a:cs typeface="Times New Roman" pitchFamily="18" charset="0"/>
-            </a:endParaRPr>
           </a:p>
           <a:p>
             <a:pPr>
@@ -5458,7 +5347,7 @@
                 <a:latin typeface="Times New Roman" pitchFamily="18" charset="0"/>
                 <a:cs typeface="Times New Roman" pitchFamily="18" charset="0"/>
               </a:rPr>
-              <a:t>Heart disease is the Leading cause of death worldwide. Heart failure (HF) occurs when the heart cannot pump enough blood to meet the needs of the body.</a:t>
+              <a:t>Heart failure is the Leading cause of death worldwide. Heart failure (HF) occurs when the heart cannot pump enough blood to meet the needs of the body.</a:t>
             </a:r>
           </a:p>
           <a:p>
@@ -5477,7 +5366,7 @@
                 <a:latin typeface="Times New Roman" pitchFamily="18" charset="0"/>
                 <a:cs typeface="Times New Roman" pitchFamily="18" charset="0"/>
               </a:rPr>
-              <a:t>The outcomes of this system provide the chances of occurring heart disease in terms of percentage. </a:t>
+              <a:t>The outcomes of this system provide the chances of occurring heart failure in terms of percentage. </a:t>
             </a:r>
           </a:p>
           <a:p>
@@ -5491,7 +5380,7 @@
                 <a:latin typeface="Times New Roman" pitchFamily="18" charset="0"/>
                 <a:cs typeface="Times New Roman" pitchFamily="18" charset="0"/>
               </a:rPr>
-              <a:t>Heart disease can be observed over a period of months or years due to several living conditions of patients. </a:t>
+              <a:t>Heart failure can be observed over a period of months or years due to several living conditions of patients. </a:t>
             </a:r>
             <a:r>
               <a:rPr lang="en-IN" sz="2000" dirty="0">
@@ -5519,7 +5408,7 @@
                 <a:latin typeface="Times New Roman" pitchFamily="18" charset="0"/>
                 <a:cs typeface="Times New Roman" pitchFamily="18" charset="0"/>
               </a:rPr>
-              <a:t>Heart disease is very dangerous if not immediately treated on time, and may be fatal</a:t>
+              <a:t>Heart failure is very dangerous if not immediately treated on time, and may be fatal</a:t>
             </a:r>
             <a:endParaRPr lang="en-IN" sz="2000" dirty="0">
               <a:latin typeface="Times New Roman" pitchFamily="18" charset="0"/>
@@ -5594,440 +5483,111 @@
             <p:ph type="title"/>
           </p:nvPr>
         </p:nvSpPr>
-        <p:spPr/>
-        <p:txBody>
-          <a:bodyPr/>
-          <a:lstStyle/>
-          <a:p>
-            <a:r>
-              <a:rPr lang="en-IN" dirty="0"/>
-              <a:t>Literature Survey</a:t>
-            </a:r>
-            <a:endParaRPr lang="en-US" dirty="0"/>
-          </a:p>
-        </p:txBody>
-      </p:sp>
-      <p:graphicFrame>
-        <p:nvGraphicFramePr>
-          <p:cNvPr id="4" name="Content Placeholder 3"/>
-          <p:cNvGraphicFramePr>
-            <a:graphicFrameLocks noGrp="1"/>
-          </p:cNvGraphicFramePr>
+        <p:spPr>
+          <a:xfrm>
+            <a:off x="467544" y="692696"/>
+            <a:ext cx="8229600" cy="785818"/>
+          </a:xfrm>
+        </p:spPr>
+        <p:txBody>
+          <a:bodyPr>
+            <a:normAutofit/>
+          </a:bodyPr>
+          <a:lstStyle/>
+          <a:p>
+            <a:r>
+              <a:rPr lang="en-US" b="1" dirty="0">
+                <a:latin typeface="Times New Roman" pitchFamily="18" charset="0"/>
+                <a:cs typeface="Times New Roman" pitchFamily="18" charset="0"/>
+              </a:rPr>
+              <a:t>Problem Statement</a:t>
+            </a:r>
+          </a:p>
+        </p:txBody>
+      </p:sp>
+      <p:sp>
+        <p:nvSpPr>
+          <p:cNvPr id="3" name="Content Placeholder 2"/>
+          <p:cNvSpPr>
+            <a:spLocks noGrp="1"/>
+          </p:cNvSpPr>
           <p:nvPr>
             <p:ph idx="1"/>
-            <p:extLst>
-              <p:ext uri="{D42A27DB-BD31-4B8C-83A1-F6EECF244321}">
-                <p14:modId xmlns:p14="http://schemas.microsoft.com/office/powerpoint/2010/main" val="3546412925"/>
-              </p:ext>
-            </p:extLst>
-          </p:nvPr>
-        </p:nvGraphicFramePr>
-        <p:xfrm>
-          <a:off x="611560" y="1142984"/>
-          <a:ext cx="7920882" cy="5072098"/>
-        </p:xfrm>
-        <a:graphic>
-          <a:graphicData uri="http://schemas.openxmlformats.org/drawingml/2006/table">
-            <a:tbl>
-              <a:tblPr firstRow="1" bandRow="1">
-                <a:tableStyleId>{21E4AEA4-8DFA-4A89-87EB-49C32662AFE0}</a:tableStyleId>
-              </a:tblPr>
-              <a:tblGrid>
-                <a:gridCol w="1320147">
-                  <a:extLst>
-                    <a:ext uri="{9D8B030D-6E8A-4147-A177-3AD203B41FA5}">
-                      <a16:colId xmlns:a16="http://schemas.microsoft.com/office/drawing/2014/main" val="20000"/>
-                    </a:ext>
-                  </a:extLst>
-                </a:gridCol>
-                <a:gridCol w="1320147">
-                  <a:extLst>
-                    <a:ext uri="{9D8B030D-6E8A-4147-A177-3AD203B41FA5}">
-                      <a16:colId xmlns:a16="http://schemas.microsoft.com/office/drawing/2014/main" val="20001"/>
-                    </a:ext>
-                  </a:extLst>
-                </a:gridCol>
-                <a:gridCol w="1320147">
-                  <a:extLst>
-                    <a:ext uri="{9D8B030D-6E8A-4147-A177-3AD203B41FA5}">
-                      <a16:colId xmlns:a16="http://schemas.microsoft.com/office/drawing/2014/main" val="20002"/>
-                    </a:ext>
-                  </a:extLst>
-                </a:gridCol>
-                <a:gridCol w="1320147">
-                  <a:extLst>
-                    <a:ext uri="{9D8B030D-6E8A-4147-A177-3AD203B41FA5}">
-                      <a16:colId xmlns:a16="http://schemas.microsoft.com/office/drawing/2014/main" val="20003"/>
-                    </a:ext>
-                  </a:extLst>
-                </a:gridCol>
-                <a:gridCol w="1320147">
-                  <a:extLst>
-                    <a:ext uri="{9D8B030D-6E8A-4147-A177-3AD203B41FA5}">
-                      <a16:colId xmlns:a16="http://schemas.microsoft.com/office/drawing/2014/main" val="20004"/>
-                    </a:ext>
-                  </a:extLst>
-                </a:gridCol>
-                <a:gridCol w="1320147">
-                  <a:extLst>
-                    <a:ext uri="{9D8B030D-6E8A-4147-A177-3AD203B41FA5}">
-                      <a16:colId xmlns:a16="http://schemas.microsoft.com/office/drawing/2014/main" val="20005"/>
-                    </a:ext>
-                  </a:extLst>
-                </a:gridCol>
-              </a:tblGrid>
-              <a:tr h="1265425">
-                <a:tc>
-                  <a:txBody>
-                    <a:bodyPr/>
-                    <a:lstStyle/>
-                    <a:p>
-                      <a:pPr algn="ctr"/>
-                      <a:r>
-                        <a:rPr lang="en-IN" dirty="0"/>
-                        <a:t>TITLE OF THE PAPER</a:t>
-                      </a:r>
-                      <a:endParaRPr lang="en-US" dirty="0"/>
-                    </a:p>
-                  </a:txBody>
-                  <a:tcPr/>
-                </a:tc>
-                <a:tc>
-                  <a:txBody>
-                    <a:bodyPr/>
-                    <a:lstStyle/>
-                    <a:p>
-                      <a:pPr algn="ctr"/>
-                      <a:r>
-                        <a:rPr lang="en-IN" dirty="0"/>
-                        <a:t>AUTHORS</a:t>
-                      </a:r>
-                      <a:endParaRPr lang="en-US" dirty="0"/>
-                    </a:p>
-                  </a:txBody>
-                  <a:tcPr/>
-                </a:tc>
-                <a:tc>
-                  <a:txBody>
-                    <a:bodyPr/>
-                    <a:lstStyle/>
-                    <a:p>
-                      <a:pPr algn="ctr"/>
-                      <a:r>
-                        <a:rPr lang="en-IN" dirty="0"/>
-                        <a:t>YEAR</a:t>
-                      </a:r>
-                      <a:endParaRPr lang="en-US" dirty="0"/>
-                    </a:p>
-                  </a:txBody>
-                  <a:tcPr/>
-                </a:tc>
-                <a:tc>
-                  <a:txBody>
-                    <a:bodyPr/>
-                    <a:lstStyle/>
-                    <a:p>
-                      <a:r>
-                        <a:rPr lang="en-IN" dirty="0"/>
-                        <a:t>DOMAIN</a:t>
-                      </a:r>
-                      <a:endParaRPr lang="en-US" dirty="0"/>
-                    </a:p>
-                  </a:txBody>
-                  <a:tcPr/>
-                </a:tc>
-                <a:tc>
-                  <a:txBody>
-                    <a:bodyPr/>
-                    <a:lstStyle/>
-                    <a:p>
-                      <a:r>
-                        <a:rPr lang="en-IN" dirty="0"/>
-                        <a:t>TECHNIQUES/ALGORITHMS</a:t>
-                      </a:r>
-                    </a:p>
-                    <a:p>
-                      <a:pPr algn="ctr"/>
-                      <a:r>
-                        <a:rPr lang="en-IN" dirty="0"/>
-                        <a:t>USED</a:t>
-                      </a:r>
-                      <a:endParaRPr lang="en-US" dirty="0"/>
-                    </a:p>
-                  </a:txBody>
-                  <a:tcPr/>
-                </a:tc>
-                <a:tc>
-                  <a:txBody>
-                    <a:bodyPr/>
-                    <a:lstStyle/>
-                    <a:p>
-                      <a:r>
-                        <a:rPr lang="en-IN" dirty="0"/>
-                        <a:t>INFERENCE/</a:t>
-                      </a:r>
-                    </a:p>
-                    <a:p>
-                      <a:r>
-                        <a:rPr lang="en-IN" dirty="0"/>
-                        <a:t>CONCLUSION</a:t>
-                      </a:r>
-                      <a:endParaRPr lang="en-US" dirty="0"/>
-                    </a:p>
-                  </a:txBody>
-                  <a:tcPr/>
-                </a:tc>
-                <a:extLst>
-                  <a:ext uri="{0D108BD9-81ED-4DB2-BD59-A6C34878D82A}">
-                    <a16:rowId xmlns:a16="http://schemas.microsoft.com/office/drawing/2014/main" val="10000"/>
-                  </a:ext>
-                </a:extLst>
-              </a:tr>
-              <a:tr h="2096125">
-                <a:tc>
-                  <a:txBody>
-                    <a:bodyPr/>
-                    <a:lstStyle/>
-                    <a:p>
-                      <a:r>
-                        <a:rPr lang="en-US" sz="1400" dirty="0"/>
-                        <a:t>Analysis of data mining techniques for heart disease prediction</a:t>
-                      </a:r>
-                      <a:endParaRPr lang="en-US" sz="1400" b="0" i="0" dirty="0">
-                        <a:latin typeface="Times New Roman" pitchFamily="18" charset="0"/>
-                        <a:cs typeface="Times New Roman" pitchFamily="18" charset="0"/>
-                      </a:endParaRPr>
-                    </a:p>
-                  </a:txBody>
-                  <a:tcPr/>
-                </a:tc>
-                <a:tc>
-                  <a:txBody>
-                    <a:bodyPr/>
-                    <a:lstStyle/>
-                    <a:p>
-                      <a:r>
-                        <a:rPr lang="en-US" sz="1400" dirty="0" err="1"/>
-                        <a:t>Marjia</a:t>
-                      </a:r>
-                      <a:r>
-                        <a:rPr lang="en-US" sz="1400" dirty="0"/>
-                        <a:t> Sultana, Afrin Haider and Mohammad </a:t>
-                      </a:r>
-                      <a:r>
-                        <a:rPr lang="en-US" sz="1400" dirty="0" err="1"/>
-                        <a:t>ShorifUddin</a:t>
-                      </a:r>
-                      <a:endParaRPr lang="en-US" sz="1400" dirty="0"/>
-                    </a:p>
-                  </a:txBody>
-                  <a:tcPr/>
-                </a:tc>
-                <a:tc>
-                  <a:txBody>
-                    <a:bodyPr/>
-                    <a:lstStyle/>
-                    <a:p>
-                      <a:r>
-                        <a:rPr lang="en-IN" sz="1400" dirty="0"/>
-                        <a:t>2016</a:t>
-                      </a:r>
-                      <a:endParaRPr lang="en-US" sz="1400" dirty="0">
-                        <a:latin typeface="Times New Roman" pitchFamily="18" charset="0"/>
-                        <a:cs typeface="Times New Roman" pitchFamily="18" charset="0"/>
-                      </a:endParaRPr>
-                    </a:p>
-                  </a:txBody>
-                  <a:tcPr/>
-                </a:tc>
-                <a:tc>
-                  <a:txBody>
-                    <a:bodyPr/>
-                    <a:lstStyle/>
-                    <a:p>
-                      <a:r>
-                        <a:rPr lang="en-IN" sz="1400" dirty="0"/>
-                        <a:t>Data Mining</a:t>
-                      </a:r>
-                      <a:endParaRPr lang="en-US" sz="1400" dirty="0">
-                        <a:latin typeface="Times New Roman" pitchFamily="18" charset="0"/>
-                        <a:cs typeface="Times New Roman" pitchFamily="18" charset="0"/>
-                      </a:endParaRPr>
-                    </a:p>
-                  </a:txBody>
-                  <a:tcPr/>
-                </a:tc>
-                <a:tc>
-                  <a:txBody>
-                    <a:bodyPr/>
-                    <a:lstStyle/>
-                    <a:p>
-                      <a:r>
-                        <a:rPr lang="en-US" sz="1400" dirty="0"/>
-                        <a:t>Pre-processing of these data sets, from high dimensional to low dimension</a:t>
-                      </a:r>
-                    </a:p>
-                    <a:p>
-                      <a:endParaRPr lang="en-US" sz="1400" dirty="0"/>
-                    </a:p>
-                    <a:p>
-                      <a:r>
-                        <a:rPr lang="en-US" sz="1400" dirty="0"/>
-                        <a:t>Algorithm: Bayes</a:t>
-                      </a:r>
-                    </a:p>
-                  </a:txBody>
-                  <a:tcPr/>
-                </a:tc>
-                <a:tc>
-                  <a:txBody>
-                    <a:bodyPr/>
-                    <a:lstStyle/>
-                    <a:p>
-                      <a:r>
-                        <a:rPr lang="en-US" sz="1400" dirty="0"/>
-                        <a:t>An approach proposed in  have worked to improved the accuracy and time complexity.  </a:t>
-                      </a:r>
-                      <a:endParaRPr lang="en-US" sz="1400" b="0" kern="1200" baseline="0" dirty="0">
-                        <a:solidFill>
-                          <a:schemeClr val="dk1"/>
-                        </a:solidFill>
-                        <a:latin typeface="Times New Roman" pitchFamily="18" charset="0"/>
-                        <a:ea typeface="+mn-ea"/>
-                        <a:cs typeface="Times New Roman" pitchFamily="18" charset="0"/>
-                      </a:endParaRPr>
-                    </a:p>
-                  </a:txBody>
-                  <a:tcPr/>
-                </a:tc>
-                <a:extLst>
-                  <a:ext uri="{0D108BD9-81ED-4DB2-BD59-A6C34878D82A}">
-                    <a16:rowId xmlns:a16="http://schemas.microsoft.com/office/drawing/2014/main" val="10001"/>
-                  </a:ext>
-                </a:extLst>
-              </a:tr>
-              <a:tr h="1710548">
-                <a:tc>
-                  <a:txBody>
-                    <a:bodyPr/>
-                    <a:lstStyle/>
-                    <a:p>
-                      <a:r>
-                        <a:rPr lang="en-US" sz="1200" dirty="0"/>
-                        <a:t>An Analysis on Performance of Decision Tree Algorithms in heart disease </a:t>
-                      </a:r>
-                      <a:endParaRPr lang="en-US" sz="1200" b="0" i="0" dirty="0">
-                        <a:latin typeface="Times New Roman" pitchFamily="18" charset="0"/>
-                        <a:cs typeface="Times New Roman" pitchFamily="18" charset="0"/>
-                      </a:endParaRPr>
-                    </a:p>
-                  </a:txBody>
-                  <a:tcPr/>
-                </a:tc>
-                <a:tc>
-                  <a:txBody>
-                    <a:bodyPr/>
-                    <a:lstStyle/>
-                    <a:p>
-                      <a:r>
-                        <a:rPr lang="en-US" sz="1400" dirty="0"/>
-                        <a:t>T. M. Lakshmi, A. Martin, R. M. Begum, and V. P. Venkatesan</a:t>
-                      </a:r>
-                      <a:endParaRPr lang="en-US" sz="1400" b="0" i="0" dirty="0">
-                        <a:latin typeface="Times New Roman" pitchFamily="18" charset="0"/>
-                        <a:cs typeface="Times New Roman" pitchFamily="18" charset="0"/>
-                      </a:endParaRPr>
-                    </a:p>
-                  </a:txBody>
-                  <a:tcPr/>
-                </a:tc>
-                <a:tc>
-                  <a:txBody>
-                    <a:bodyPr/>
-                    <a:lstStyle/>
-                    <a:p>
-                      <a:r>
-                        <a:rPr lang="en-IN" sz="1200" dirty="0"/>
-                        <a:t>2017</a:t>
-                      </a:r>
-                      <a:endParaRPr lang="en-US" sz="1200" dirty="0">
-                        <a:latin typeface="Times New Roman" pitchFamily="18" charset="0"/>
-                        <a:cs typeface="Times New Roman" pitchFamily="18" charset="0"/>
-                      </a:endParaRPr>
-                    </a:p>
-                  </a:txBody>
-                  <a:tcPr/>
-                </a:tc>
-                <a:tc>
-                  <a:txBody>
-                    <a:bodyPr/>
-                    <a:lstStyle/>
-                    <a:p>
-                      <a:r>
-                        <a:rPr lang="en-IN" sz="1200" dirty="0"/>
-                        <a:t>Machine Learning </a:t>
-                      </a:r>
-                      <a:endParaRPr lang="en-US" sz="1200" dirty="0">
-                        <a:latin typeface="Times New Roman" pitchFamily="18" charset="0"/>
-                        <a:cs typeface="Times New Roman" pitchFamily="18" charset="0"/>
-                      </a:endParaRPr>
-                    </a:p>
-                  </a:txBody>
-                  <a:tcPr/>
-                </a:tc>
-                <a:tc>
-                  <a:txBody>
-                    <a:bodyPr/>
-                    <a:lstStyle/>
-                    <a:p>
-                      <a:r>
-                        <a:rPr lang="en-IN" sz="1200" dirty="0"/>
-                        <a:t>Decision Tree </a:t>
-                      </a:r>
-                      <a:endParaRPr lang="en-IN" sz="1200" dirty="0">
-                        <a:latin typeface="Times New Roman" pitchFamily="18" charset="0"/>
-                        <a:cs typeface="Times New Roman" pitchFamily="18" charset="0"/>
-                      </a:endParaRPr>
-                    </a:p>
-                  </a:txBody>
-                  <a:tcPr/>
-                </a:tc>
-                <a:tc>
-                  <a:txBody>
-                    <a:bodyPr/>
-                    <a:lstStyle/>
-                    <a:p>
-                      <a:r>
-                        <a:rPr lang="en-US" sz="1200" b="0" kern="1200" baseline="0" dirty="0">
-                          <a:solidFill>
-                            <a:schemeClr val="dk1"/>
-                          </a:solidFill>
-                        </a:rPr>
-                        <a:t>Decision accuracy=69%</a:t>
-                      </a:r>
-                      <a:endParaRPr lang="en-US" sz="1200" b="0" kern="1200" baseline="0" dirty="0">
-                        <a:solidFill>
-                          <a:schemeClr val="dk1"/>
-                        </a:solidFill>
-                        <a:latin typeface="Times New Roman" pitchFamily="18" charset="0"/>
-                        <a:ea typeface="+mn-ea"/>
-                        <a:cs typeface="Times New Roman" pitchFamily="18" charset="0"/>
-                      </a:endParaRPr>
-                    </a:p>
-                  </a:txBody>
-                  <a:tcPr/>
-                </a:tc>
-                <a:extLst>
-                  <a:ext uri="{0D108BD9-81ED-4DB2-BD59-A6C34878D82A}">
-                    <a16:rowId xmlns:a16="http://schemas.microsoft.com/office/drawing/2014/main" val="10002"/>
-                  </a:ext>
-                </a:extLst>
-              </a:tr>
-            </a:tbl>
-          </a:graphicData>
-        </a:graphic>
-      </p:graphicFrame>
+          </p:nvPr>
+        </p:nvSpPr>
+        <p:spPr>
+          <a:xfrm>
+            <a:off x="457200" y="2071678"/>
+            <a:ext cx="8507288" cy="4054485"/>
+          </a:xfrm>
+        </p:spPr>
+        <p:txBody>
+          <a:bodyPr>
+            <a:normAutofit/>
+          </a:bodyPr>
+          <a:lstStyle/>
+          <a:p>
+            <a:pPr algn="just">
+              <a:lnSpc>
+                <a:spcPct val="150000"/>
+              </a:lnSpc>
+              <a:buNone/>
+            </a:pPr>
+            <a:r>
+              <a:rPr lang="en-US" sz="2000" dirty="0">
+                <a:latin typeface="Times New Roman" pitchFamily="18" charset="0"/>
+                <a:cs typeface="Times New Roman" pitchFamily="18" charset="0"/>
+              </a:rPr>
+              <a:t>	</a:t>
+            </a:r>
+            <a:endParaRPr lang="en-US" sz="2000" b="1" dirty="0">
+              <a:latin typeface="Times New Roman" pitchFamily="18" charset="0"/>
+              <a:cs typeface="Times New Roman" pitchFamily="18" charset="0"/>
+            </a:endParaRPr>
+          </a:p>
+          <a:p>
+            <a:pPr algn="just">
+              <a:lnSpc>
+                <a:spcPct val="150000"/>
+              </a:lnSpc>
+              <a:buNone/>
+            </a:pPr>
+            <a:r>
+              <a:rPr lang="en-US" sz="2400" dirty="0">
+                <a:latin typeface="Times New Roman" pitchFamily="18" charset="0"/>
+                <a:cs typeface="Times New Roman" pitchFamily="18" charset="0"/>
+              </a:rPr>
+              <a:t>	Classify survival of patients with heart failure based on various machine learning algorithms like Support Vector machine, Decision Tree, Random Forest and Multi-layer Perceptron classifier</a:t>
+            </a:r>
+            <a:r>
+              <a:rPr lang="en-US" sz="2400" dirty="0"/>
+              <a:t>.</a:t>
+            </a:r>
+            <a:endParaRPr lang="en-US" sz="2400" dirty="0">
+              <a:latin typeface="Times New Roman" pitchFamily="18" charset="0"/>
+              <a:cs typeface="Times New Roman" pitchFamily="18" charset="0"/>
+            </a:endParaRPr>
+          </a:p>
+          <a:p>
+            <a:pPr algn="just">
+              <a:lnSpc>
+                <a:spcPct val="150000"/>
+              </a:lnSpc>
+              <a:buNone/>
+            </a:pPr>
+            <a:endParaRPr lang="en-IN" sz="2000" dirty="0">
+              <a:latin typeface="Times New Roman" pitchFamily="18" charset="0"/>
+              <a:cs typeface="Times New Roman" pitchFamily="18" charset="0"/>
+            </a:endParaRPr>
+          </a:p>
+        </p:txBody>
+      </p:sp>
     </p:spTree>
+    <p:extLst>
+      <p:ext uri="{BB962C8B-B14F-4D97-AF65-F5344CB8AC3E}">
+        <p14:creationId xmlns:p14="http://schemas.microsoft.com/office/powerpoint/2010/main" val="2750666915"/>
+      </p:ext>
+    </p:extLst>
   </p:cSld>
   <p:clrMapOvr>
     <a:masterClrMapping/>
@@ -6062,523 +5622,157 @@
             <p:ph type="title"/>
           </p:nvPr>
         </p:nvSpPr>
-        <p:spPr/>
+        <p:spPr>
+          <a:xfrm>
+            <a:off x="457200" y="764704"/>
+            <a:ext cx="8229600" cy="792088"/>
+          </a:xfrm>
+        </p:spPr>
         <p:txBody>
           <a:bodyPr/>
           <a:lstStyle/>
           <a:p>
             <a:r>
-              <a:rPr lang="en-IN" dirty="0"/>
-              <a:t>Literature Survey</a:t>
-            </a:r>
-            <a:endParaRPr lang="en-US" dirty="0"/>
-          </a:p>
-        </p:txBody>
-      </p:sp>
-      <p:graphicFrame>
-        <p:nvGraphicFramePr>
-          <p:cNvPr id="4" name="Content Placeholder 3"/>
-          <p:cNvGraphicFramePr>
-            <a:graphicFrameLocks noGrp="1"/>
-          </p:cNvGraphicFramePr>
+              <a:rPr lang="en-IN" b="1" dirty="0">
+                <a:latin typeface="Times New Roman" pitchFamily="18" charset="0"/>
+                <a:cs typeface="Times New Roman" pitchFamily="18" charset="0"/>
+              </a:rPr>
+              <a:t>About Dataset</a:t>
+            </a:r>
+          </a:p>
+        </p:txBody>
+      </p:sp>
+      <p:sp>
+        <p:nvSpPr>
+          <p:cNvPr id="3" name="Content Placeholder 2"/>
+          <p:cNvSpPr>
+            <a:spLocks noGrp="1"/>
+          </p:cNvSpPr>
           <p:nvPr>
             <p:ph idx="1"/>
-            <p:extLst>
-              <p:ext uri="{D42A27DB-BD31-4B8C-83A1-F6EECF244321}">
-                <p14:modId xmlns:p14="http://schemas.microsoft.com/office/powerpoint/2010/main" val="3862751476"/>
-              </p:ext>
-            </p:extLst>
-          </p:nvPr>
-        </p:nvGraphicFramePr>
-        <p:xfrm>
-          <a:off x="642911" y="1142985"/>
-          <a:ext cx="8286807" cy="5193493"/>
-        </p:xfrm>
-        <a:graphic>
-          <a:graphicData uri="http://schemas.openxmlformats.org/drawingml/2006/table">
-            <a:tbl>
-              <a:tblPr firstRow="1" bandRow="1">
-                <a:tableStyleId>{21E4AEA4-8DFA-4A89-87EB-49C32662AFE0}</a:tableStyleId>
-              </a:tblPr>
-              <a:tblGrid>
-                <a:gridCol w="1512642">
-                  <a:extLst>
-                    <a:ext uri="{9D8B030D-6E8A-4147-A177-3AD203B41FA5}">
-                      <a16:colId xmlns:a16="http://schemas.microsoft.com/office/drawing/2014/main" val="20000"/>
-                    </a:ext>
-                  </a:extLst>
-                </a:gridCol>
-                <a:gridCol w="1512642">
-                  <a:extLst>
-                    <a:ext uri="{9D8B030D-6E8A-4147-A177-3AD203B41FA5}">
-                      <a16:colId xmlns:a16="http://schemas.microsoft.com/office/drawing/2014/main" val="20001"/>
-                    </a:ext>
-                  </a:extLst>
-                </a:gridCol>
-                <a:gridCol w="1512642">
-                  <a:extLst>
-                    <a:ext uri="{9D8B030D-6E8A-4147-A177-3AD203B41FA5}">
-                      <a16:colId xmlns:a16="http://schemas.microsoft.com/office/drawing/2014/main" val="20002"/>
-                    </a:ext>
-                  </a:extLst>
-                </a:gridCol>
-                <a:gridCol w="1512642">
-                  <a:extLst>
-                    <a:ext uri="{9D8B030D-6E8A-4147-A177-3AD203B41FA5}">
-                      <a16:colId xmlns:a16="http://schemas.microsoft.com/office/drawing/2014/main" val="20003"/>
-                    </a:ext>
-                  </a:extLst>
-                </a:gridCol>
-                <a:gridCol w="1260778">
-                  <a:extLst>
-                    <a:ext uri="{9D8B030D-6E8A-4147-A177-3AD203B41FA5}">
-                      <a16:colId xmlns:a16="http://schemas.microsoft.com/office/drawing/2014/main" val="20004"/>
-                    </a:ext>
-                  </a:extLst>
-                </a:gridCol>
-                <a:gridCol w="975461">
-                  <a:extLst>
-                    <a:ext uri="{9D8B030D-6E8A-4147-A177-3AD203B41FA5}">
-                      <a16:colId xmlns:a16="http://schemas.microsoft.com/office/drawing/2014/main" val="20005"/>
-                    </a:ext>
-                  </a:extLst>
-                </a:gridCol>
-              </a:tblGrid>
-              <a:tr h="1138762">
-                <a:tc>
-                  <a:txBody>
-                    <a:bodyPr/>
-                    <a:lstStyle/>
-                    <a:p>
-                      <a:r>
-                        <a:rPr lang="en-IN" dirty="0"/>
-                        <a:t>TITLE</a:t>
-                      </a:r>
-                      <a:r>
-                        <a:rPr lang="en-IN" baseline="0" dirty="0"/>
-                        <a:t> OF THE PAPER</a:t>
-                      </a:r>
-                      <a:endParaRPr lang="en-US" dirty="0"/>
-                    </a:p>
-                  </a:txBody>
-                  <a:tcPr/>
-                </a:tc>
-                <a:tc>
-                  <a:txBody>
-                    <a:bodyPr/>
-                    <a:lstStyle/>
-                    <a:p>
-                      <a:r>
-                        <a:rPr lang="en-IN" dirty="0"/>
-                        <a:t>AUTHORS</a:t>
-                      </a:r>
-                      <a:endParaRPr lang="en-US" dirty="0"/>
-                    </a:p>
-                  </a:txBody>
-                  <a:tcPr/>
-                </a:tc>
-                <a:tc>
-                  <a:txBody>
-                    <a:bodyPr/>
-                    <a:lstStyle/>
-                    <a:p>
-                      <a:r>
-                        <a:rPr lang="en-IN" dirty="0"/>
-                        <a:t>YEAR</a:t>
-                      </a:r>
-                      <a:endParaRPr lang="en-US" dirty="0"/>
-                    </a:p>
-                  </a:txBody>
-                  <a:tcPr/>
-                </a:tc>
-                <a:tc>
-                  <a:txBody>
-                    <a:bodyPr/>
-                    <a:lstStyle/>
-                    <a:p>
-                      <a:r>
-                        <a:rPr lang="en-IN" dirty="0"/>
-                        <a:t>DOMAIN</a:t>
-                      </a:r>
-                      <a:endParaRPr lang="en-US" dirty="0"/>
-                    </a:p>
-                  </a:txBody>
-                  <a:tcPr/>
-                </a:tc>
-                <a:tc>
-                  <a:txBody>
-                    <a:bodyPr/>
-                    <a:lstStyle/>
-                    <a:p>
-                      <a:r>
-                        <a:rPr lang="en-IN" dirty="0"/>
-                        <a:t>TECHINIQUES /ALGORITHM</a:t>
-                      </a:r>
-                      <a:endParaRPr lang="en-US" dirty="0"/>
-                    </a:p>
-                  </a:txBody>
-                  <a:tcPr/>
-                </a:tc>
-                <a:tc>
-                  <a:txBody>
-                    <a:bodyPr/>
-                    <a:lstStyle/>
-                    <a:p>
-                      <a:r>
-                        <a:rPr lang="en-IN" dirty="0"/>
-                        <a:t>INFERENCE/CONCLUSION</a:t>
-                      </a:r>
-                      <a:endParaRPr lang="en-US" dirty="0"/>
-                    </a:p>
-                  </a:txBody>
-                  <a:tcPr/>
-                </a:tc>
-                <a:extLst>
-                  <a:ext uri="{0D108BD9-81ED-4DB2-BD59-A6C34878D82A}">
-                    <a16:rowId xmlns:a16="http://schemas.microsoft.com/office/drawing/2014/main" val="10000"/>
-                  </a:ext>
-                </a:extLst>
-              </a:tr>
-              <a:tr h="1618766">
-                <a:tc>
-                  <a:txBody>
-                    <a:bodyPr/>
-                    <a:lstStyle/>
-                    <a:p>
-                      <a:r>
-                        <a:rPr lang="en-US" sz="1400" dirty="0"/>
-                        <a:t>Deep Learning in neural networks: An overview in heart disease </a:t>
-                      </a:r>
-                      <a:endParaRPr lang="en-US" sz="1400" dirty="0">
-                        <a:latin typeface="Times New Roman" pitchFamily="18" charset="0"/>
-                        <a:cs typeface="Times New Roman" pitchFamily="18" charset="0"/>
-                      </a:endParaRPr>
-                    </a:p>
-                  </a:txBody>
-                  <a:tcPr/>
-                </a:tc>
-                <a:tc>
-                  <a:txBody>
-                    <a:bodyPr/>
-                    <a:lstStyle/>
-                    <a:p>
-                      <a:r>
-                        <a:rPr lang="en-US" sz="1400" dirty="0"/>
-                        <a:t>J. </a:t>
-                      </a:r>
-                      <a:r>
-                        <a:rPr lang="en-US" sz="1400" dirty="0" err="1"/>
-                        <a:t>Schmidhuber</a:t>
-                      </a:r>
-                      <a:endParaRPr lang="en-US" sz="1400" dirty="0">
-                        <a:latin typeface="Times New Roman" pitchFamily="18" charset="0"/>
-                        <a:cs typeface="Times New Roman" pitchFamily="18" charset="0"/>
-                      </a:endParaRPr>
-                    </a:p>
-                  </a:txBody>
-                  <a:tcPr/>
-                </a:tc>
-                <a:tc>
-                  <a:txBody>
-                    <a:bodyPr/>
-                    <a:lstStyle/>
-                    <a:p>
-                      <a:r>
-                        <a:rPr lang="en-IN" sz="1400" dirty="0"/>
-                        <a:t>2018</a:t>
-                      </a:r>
-                      <a:endParaRPr lang="en-US" sz="1400" dirty="0">
-                        <a:latin typeface="Times New Roman" pitchFamily="18" charset="0"/>
-                        <a:cs typeface="Times New Roman" pitchFamily="18" charset="0"/>
-                      </a:endParaRPr>
-                    </a:p>
-                  </a:txBody>
-                  <a:tcPr/>
-                </a:tc>
-                <a:tc>
-                  <a:txBody>
-                    <a:bodyPr/>
-                    <a:lstStyle/>
-                    <a:p>
-                      <a:r>
-                        <a:rPr lang="en-IN" sz="1400" dirty="0"/>
-                        <a:t>Deep Learning</a:t>
-                      </a:r>
-                      <a:endParaRPr lang="en-US" sz="1400" dirty="0">
-                        <a:latin typeface="Times New Roman" pitchFamily="18" charset="0"/>
-                        <a:cs typeface="Times New Roman" pitchFamily="18" charset="0"/>
-                      </a:endParaRPr>
-                    </a:p>
-                  </a:txBody>
-                  <a:tcPr/>
-                </a:tc>
-                <a:tc>
-                  <a:txBody>
-                    <a:bodyPr/>
-                    <a:lstStyle/>
-                    <a:p>
-                      <a:r>
-                        <a:rPr lang="en-US" sz="1400" dirty="0"/>
-                        <a:t>Multi-layer Perceptron classifier.</a:t>
-                      </a:r>
-                      <a:endParaRPr lang="en-US" sz="1400" dirty="0">
-                        <a:latin typeface="Times New Roman" pitchFamily="18" charset="0"/>
-                        <a:cs typeface="Times New Roman" pitchFamily="18" charset="0"/>
-                      </a:endParaRPr>
-                    </a:p>
-                  </a:txBody>
-                  <a:tcPr/>
-                </a:tc>
-                <a:tc>
-                  <a:txBody>
-                    <a:bodyPr/>
-                    <a:lstStyle/>
-                    <a:p>
-                      <a:r>
-                        <a:rPr lang="en-IN" sz="1400" dirty="0"/>
-                        <a:t> Accuracy =64%</a:t>
-                      </a:r>
-                      <a:endParaRPr lang="en-US" sz="1400" dirty="0">
-                        <a:latin typeface="Times New Roman" pitchFamily="18" charset="0"/>
-                        <a:cs typeface="Times New Roman" pitchFamily="18" charset="0"/>
-                      </a:endParaRPr>
-                    </a:p>
-                  </a:txBody>
-                  <a:tcPr/>
-                </a:tc>
-                <a:extLst>
-                  <a:ext uri="{0D108BD9-81ED-4DB2-BD59-A6C34878D82A}">
-                    <a16:rowId xmlns:a16="http://schemas.microsoft.com/office/drawing/2014/main" val="10001"/>
-                  </a:ext>
-                </a:extLst>
-              </a:tr>
-              <a:tr h="2014732">
-                <a:tc>
-                  <a:txBody>
-                    <a:bodyPr/>
-                    <a:lstStyle/>
-                    <a:p>
-                      <a:r>
-                        <a:rPr lang="en-US" sz="1400" kern="1200" dirty="0">
-                          <a:solidFill>
-                            <a:schemeClr val="dk1"/>
-                          </a:solidFill>
-                        </a:rPr>
-                        <a:t>Prediction of Heart Disease Using Machine Learning Algorithms</a:t>
-                      </a:r>
-                      <a:endParaRPr lang="en-US" sz="1400" kern="1200" dirty="0">
-                        <a:solidFill>
-                          <a:schemeClr val="dk1"/>
-                        </a:solidFill>
-                        <a:latin typeface="+mn-lt"/>
-                        <a:ea typeface="+mn-ea"/>
-                        <a:cs typeface="+mn-cs"/>
-                      </a:endParaRPr>
-                    </a:p>
-                  </a:txBody>
-                  <a:tcPr/>
-                </a:tc>
-                <a:tc>
-                  <a:txBody>
-                    <a:bodyPr/>
-                    <a:lstStyle/>
-                    <a:p>
-                      <a:r>
-                        <a:rPr lang="en-US" sz="1400" dirty="0" err="1"/>
-                        <a:t>Santhana</a:t>
-                      </a:r>
-                      <a:r>
-                        <a:rPr lang="en-US" sz="1400" dirty="0"/>
-                        <a:t> </a:t>
-                      </a:r>
-                      <a:r>
-                        <a:rPr lang="en-US" sz="1400" dirty="0" err="1"/>
-                        <a:t>Krishnan.J</a:t>
-                      </a:r>
-                      <a:r>
-                        <a:rPr lang="en-US" sz="1400" dirty="0"/>
-                        <a:t>, </a:t>
-                      </a:r>
-                      <a:r>
-                        <a:rPr lang="en-US" sz="1400" dirty="0" err="1"/>
-                        <a:t>Geetha.S</a:t>
-                      </a:r>
-                      <a:endParaRPr lang="en-US" sz="1400" b="0" i="0" dirty="0">
-                        <a:latin typeface="Times New Roman" pitchFamily="18" charset="0"/>
-                        <a:cs typeface="Times New Roman" pitchFamily="18" charset="0"/>
-                      </a:endParaRPr>
-                    </a:p>
-                  </a:txBody>
-                  <a:tcPr/>
-                </a:tc>
-                <a:tc>
-                  <a:txBody>
-                    <a:bodyPr/>
-                    <a:lstStyle/>
-                    <a:p>
-                      <a:r>
-                        <a:rPr lang="en-IN" sz="1200" dirty="0"/>
-                        <a:t>2019</a:t>
-                      </a:r>
-                      <a:endParaRPr lang="en-US" sz="1200" dirty="0">
-                        <a:latin typeface="Times New Roman" pitchFamily="18" charset="0"/>
-                        <a:cs typeface="Times New Roman" pitchFamily="18" charset="0"/>
-                      </a:endParaRPr>
-                    </a:p>
-                  </a:txBody>
-                  <a:tcPr/>
-                </a:tc>
-                <a:tc>
-                  <a:txBody>
-                    <a:bodyPr/>
-                    <a:lstStyle/>
-                    <a:p>
-                      <a:r>
-                        <a:rPr lang="en-IN" sz="1200" dirty="0"/>
-                        <a:t>Machine Learning </a:t>
-                      </a:r>
-                      <a:endParaRPr lang="en-US" sz="1200" dirty="0">
-                        <a:latin typeface="Times New Roman" pitchFamily="18" charset="0"/>
-                        <a:cs typeface="Times New Roman" pitchFamily="18" charset="0"/>
-                      </a:endParaRPr>
-                    </a:p>
-                  </a:txBody>
-                  <a:tcPr/>
-                </a:tc>
-                <a:tc>
-                  <a:txBody>
-                    <a:bodyPr/>
-                    <a:lstStyle/>
-                    <a:p>
-                      <a:r>
-                        <a:rPr lang="en-US" sz="1200" dirty="0"/>
-                        <a:t>Decision Tree, KNN, Naive Bayes Algorithm</a:t>
-                      </a:r>
-                      <a:endParaRPr lang="en-US" sz="1200" dirty="0">
-                        <a:latin typeface="Times New Roman" pitchFamily="18" charset="0"/>
-                        <a:cs typeface="Times New Roman" pitchFamily="18" charset="0"/>
-                      </a:endParaRPr>
-                    </a:p>
-                  </a:txBody>
-                  <a:tcPr/>
-                </a:tc>
-                <a:tc>
-                  <a:txBody>
-                    <a:bodyPr/>
-                    <a:lstStyle/>
-                    <a:p>
-                      <a:r>
-                        <a:rPr lang="en-IN" sz="1200" dirty="0"/>
-                        <a:t>Accuracy:</a:t>
-                      </a:r>
-                    </a:p>
-                    <a:p>
-                      <a:endParaRPr lang="en-IN" sz="1200" dirty="0"/>
-                    </a:p>
-                    <a:p>
-                      <a:r>
-                        <a:rPr lang="en-IN" sz="1200" dirty="0"/>
-                        <a:t>Decision Tree=68%</a:t>
-                      </a:r>
-                    </a:p>
-                    <a:p>
-                      <a:r>
-                        <a:rPr lang="en-IN" sz="1200" dirty="0"/>
-                        <a:t>KNN =78%</a:t>
-                      </a:r>
-                    </a:p>
-                    <a:p>
-                      <a:r>
-                        <a:rPr lang="en-IN" sz="1200" dirty="0"/>
-                        <a:t>Naïve Bayes =65%</a:t>
-                      </a:r>
-                    </a:p>
-                    <a:p>
-                      <a:endParaRPr lang="en-US" sz="1200" dirty="0">
-                        <a:latin typeface="Times New Roman" pitchFamily="18" charset="0"/>
-                        <a:cs typeface="Times New Roman" pitchFamily="18" charset="0"/>
-                      </a:endParaRPr>
-                    </a:p>
-                  </a:txBody>
-                  <a:tcPr/>
-                </a:tc>
-                <a:extLst>
-                  <a:ext uri="{0D108BD9-81ED-4DB2-BD59-A6C34878D82A}">
-                    <a16:rowId xmlns:a16="http://schemas.microsoft.com/office/drawing/2014/main" val="10002"/>
-                  </a:ext>
-                </a:extLst>
-              </a:tr>
-              <a:tr h="371275">
-                <a:tc>
-                  <a:txBody>
-                    <a:bodyPr/>
-                    <a:lstStyle/>
-                    <a:p>
-                      <a:endParaRPr lang="en-US" dirty="0"/>
-                    </a:p>
-                  </a:txBody>
-                  <a:tcPr/>
-                </a:tc>
-                <a:tc>
-                  <a:txBody>
-                    <a:bodyPr/>
-                    <a:lstStyle/>
-                    <a:p>
-                      <a:endParaRPr lang="en-US" dirty="0"/>
-                    </a:p>
-                  </a:txBody>
-                  <a:tcPr/>
-                </a:tc>
-                <a:tc>
-                  <a:txBody>
-                    <a:bodyPr/>
-                    <a:lstStyle/>
-                    <a:p>
-                      <a:endParaRPr lang="en-US"/>
-                    </a:p>
-                  </a:txBody>
-                  <a:tcPr/>
-                </a:tc>
-                <a:tc>
-                  <a:txBody>
-                    <a:bodyPr/>
-                    <a:lstStyle/>
-                    <a:p>
-                      <a:endParaRPr lang="en-US"/>
-                    </a:p>
-                  </a:txBody>
-                  <a:tcPr/>
-                </a:tc>
-                <a:tc>
-                  <a:txBody>
-                    <a:bodyPr/>
-                    <a:lstStyle/>
-                    <a:p>
-                      <a:endParaRPr lang="en-US"/>
-                    </a:p>
-                  </a:txBody>
-                  <a:tcPr/>
-                </a:tc>
-                <a:tc>
-                  <a:txBody>
-                    <a:bodyPr/>
-                    <a:lstStyle/>
-                    <a:p>
-                      <a:endParaRPr lang="en-US" dirty="0"/>
-                    </a:p>
-                  </a:txBody>
-                  <a:tcPr/>
-                </a:tc>
-                <a:extLst>
-                  <a:ext uri="{0D108BD9-81ED-4DB2-BD59-A6C34878D82A}">
-                    <a16:rowId xmlns:a16="http://schemas.microsoft.com/office/drawing/2014/main" val="10003"/>
-                  </a:ext>
-                </a:extLst>
-              </a:tr>
-            </a:tbl>
-          </a:graphicData>
-        </a:graphic>
-      </p:graphicFrame>
+          </p:nvPr>
+        </p:nvSpPr>
+        <p:spPr>
+          <a:xfrm>
+            <a:off x="107504" y="1700808"/>
+            <a:ext cx="8784976" cy="4656580"/>
+          </a:xfrm>
+        </p:spPr>
+        <p:txBody>
+          <a:bodyPr>
+            <a:noAutofit/>
+          </a:bodyPr>
+          <a:lstStyle/>
+          <a:p>
+            <a:pPr marL="0" indent="0" algn="just">
+              <a:lnSpc>
+                <a:spcPct val="150000"/>
+              </a:lnSpc>
+              <a:spcBef>
+                <a:spcPts val="0"/>
+              </a:spcBef>
+              <a:buNone/>
+            </a:pPr>
+            <a:endParaRPr lang="en-US" sz="2200" dirty="0">
+              <a:latin typeface="Times New Roman" pitchFamily="18" charset="0"/>
+              <a:ea typeface="Tahoma" pitchFamily="34" charset="0"/>
+              <a:cs typeface="Times New Roman" pitchFamily="18" charset="0"/>
+            </a:endParaRPr>
+          </a:p>
+          <a:p>
+            <a:pPr marL="0" indent="0" algn="just">
+              <a:lnSpc>
+                <a:spcPct val="150000"/>
+              </a:lnSpc>
+              <a:spcBef>
+                <a:spcPts val="0"/>
+              </a:spcBef>
+              <a:buNone/>
+            </a:pPr>
+            <a:r>
+              <a:rPr lang="en-US" sz="2200" dirty="0">
+                <a:latin typeface="Times New Roman" pitchFamily="18" charset="0"/>
+                <a:ea typeface="Tahoma" pitchFamily="34" charset="0"/>
+                <a:cs typeface="Times New Roman" pitchFamily="18" charset="0"/>
+              </a:rPr>
+              <a:t>The </a:t>
+            </a:r>
+            <a:r>
+              <a:rPr lang="en-US" sz="2200" b="1" dirty="0">
+                <a:latin typeface="Times New Roman" pitchFamily="18" charset="0"/>
+                <a:ea typeface="Tahoma" pitchFamily="34" charset="0"/>
+                <a:cs typeface="Times New Roman" pitchFamily="18" charset="0"/>
+              </a:rPr>
+              <a:t>Heart failure clinical records</a:t>
+            </a:r>
+            <a:r>
+              <a:rPr lang="en-US" sz="2200" dirty="0">
+                <a:latin typeface="Times New Roman" pitchFamily="18" charset="0"/>
+                <a:ea typeface="Tahoma" pitchFamily="34" charset="0"/>
+                <a:cs typeface="Times New Roman" pitchFamily="18" charset="0"/>
+              </a:rPr>
+              <a:t> dataset consists of 300 instances and 13 attributes collected from UCI machine learning repository.</a:t>
+            </a:r>
+          </a:p>
+          <a:p>
+            <a:pPr marL="0" indent="0" algn="just">
+              <a:lnSpc>
+                <a:spcPct val="150000"/>
+              </a:lnSpc>
+              <a:spcBef>
+                <a:spcPts val="0"/>
+              </a:spcBef>
+              <a:buNone/>
+            </a:pPr>
+            <a:endParaRPr lang="en-US" sz="2200" dirty="0">
+              <a:latin typeface="Times New Roman" pitchFamily="18" charset="0"/>
+              <a:ea typeface="Tahoma" pitchFamily="34" charset="0"/>
+              <a:cs typeface="Times New Roman" pitchFamily="18" charset="0"/>
+            </a:endParaRPr>
+          </a:p>
+          <a:p>
+            <a:pPr marL="0" indent="0" algn="just">
+              <a:lnSpc>
+                <a:spcPct val="150000"/>
+              </a:lnSpc>
+              <a:spcBef>
+                <a:spcPts val="0"/>
+              </a:spcBef>
+              <a:buNone/>
+            </a:pPr>
+            <a:r>
+              <a:rPr lang="en-US" sz="2200" dirty="0">
+                <a:latin typeface="Times New Roman" pitchFamily="18" charset="0"/>
+                <a:ea typeface="Tahoma" pitchFamily="34" charset="0"/>
+                <a:cs typeface="Times New Roman" pitchFamily="18" charset="0"/>
+              </a:rPr>
+              <a:t> </a:t>
+            </a:r>
+            <a:r>
+              <a:rPr lang="en-IN" sz="2200" b="1" dirty="0">
+                <a:latin typeface="Times New Roman" pitchFamily="18" charset="0"/>
+                <a:cs typeface="Times New Roman" pitchFamily="18" charset="0"/>
+              </a:rPr>
+              <a:t>Attribute Information:</a:t>
+            </a:r>
+            <a:r>
+              <a:rPr lang="en-US" sz="2400" dirty="0">
+                <a:latin typeface="Times New Roman" pitchFamily="18" charset="0"/>
+                <a:cs typeface="Times New Roman" pitchFamily="18" charset="0"/>
+              </a:rPr>
+              <a:t>age, anemia, high blood pressure , creatinine phosphokinase (CPK) , diabetes , ejection fraction ,  platelets , sex , serum creatinine , serum sodium , smoking , time , death event </a:t>
+            </a:r>
+            <a:r>
+              <a:rPr lang="en-US" dirty="0"/>
+              <a:t>.</a:t>
+            </a:r>
+            <a:endParaRPr lang="en-IN" sz="2200" dirty="0">
+              <a:latin typeface="Times New Roman" pitchFamily="18" charset="0"/>
+              <a:cs typeface="Times New Roman" pitchFamily="18" charset="0"/>
+            </a:endParaRPr>
+          </a:p>
+        </p:txBody>
+      </p:sp>
     </p:spTree>
   </p:cSld>
   <p:clrMapOvr>
@@ -6616,626 +5810,7 @@
         </p:nvSpPr>
         <p:spPr>
           <a:xfrm>
-            <a:off x="611560" y="144368"/>
-            <a:ext cx="8229600" cy="1143000"/>
-          </a:xfrm>
-        </p:spPr>
-        <p:txBody>
-          <a:bodyPr/>
-          <a:lstStyle/>
-          <a:p>
-            <a:r>
-              <a:rPr lang="en-IN" dirty="0"/>
-              <a:t>Literature Survey</a:t>
-            </a:r>
-            <a:endParaRPr lang="en-US" dirty="0"/>
-          </a:p>
-        </p:txBody>
-      </p:sp>
-      <p:graphicFrame>
-        <p:nvGraphicFramePr>
-          <p:cNvPr id="4" name="Content Placeholder 3"/>
-          <p:cNvGraphicFramePr>
-            <a:graphicFrameLocks noGrp="1"/>
-          </p:cNvGraphicFramePr>
-          <p:nvPr>
-            <p:ph idx="1"/>
-            <p:extLst>
-              <p:ext uri="{D42A27DB-BD31-4B8C-83A1-F6EECF244321}">
-                <p14:modId xmlns:p14="http://schemas.microsoft.com/office/powerpoint/2010/main" val="2296247429"/>
-              </p:ext>
-            </p:extLst>
-          </p:nvPr>
-        </p:nvGraphicFramePr>
-        <p:xfrm>
-          <a:off x="611560" y="1196752"/>
-          <a:ext cx="8186766" cy="5516880"/>
-        </p:xfrm>
-        <a:graphic>
-          <a:graphicData uri="http://schemas.openxmlformats.org/drawingml/2006/table">
-            <a:tbl>
-              <a:tblPr firstRow="1" bandRow="1">
-                <a:tableStyleId>{21E4AEA4-8DFA-4A89-87EB-49C32662AFE0}</a:tableStyleId>
-              </a:tblPr>
-              <a:tblGrid>
-                <a:gridCol w="1364461">
-                  <a:extLst>
-                    <a:ext uri="{9D8B030D-6E8A-4147-A177-3AD203B41FA5}">
-                      <a16:colId xmlns:a16="http://schemas.microsoft.com/office/drawing/2014/main" val="20000"/>
-                    </a:ext>
-                  </a:extLst>
-                </a:gridCol>
-                <a:gridCol w="1364461">
-                  <a:extLst>
-                    <a:ext uri="{9D8B030D-6E8A-4147-A177-3AD203B41FA5}">
-                      <a16:colId xmlns:a16="http://schemas.microsoft.com/office/drawing/2014/main" val="20001"/>
-                    </a:ext>
-                  </a:extLst>
-                </a:gridCol>
-                <a:gridCol w="1364461">
-                  <a:extLst>
-                    <a:ext uri="{9D8B030D-6E8A-4147-A177-3AD203B41FA5}">
-                      <a16:colId xmlns:a16="http://schemas.microsoft.com/office/drawing/2014/main" val="20002"/>
-                    </a:ext>
-                  </a:extLst>
-                </a:gridCol>
-                <a:gridCol w="1364461">
-                  <a:extLst>
-                    <a:ext uri="{9D8B030D-6E8A-4147-A177-3AD203B41FA5}">
-                      <a16:colId xmlns:a16="http://schemas.microsoft.com/office/drawing/2014/main" val="20003"/>
-                    </a:ext>
-                  </a:extLst>
-                </a:gridCol>
-                <a:gridCol w="1364461">
-                  <a:extLst>
-                    <a:ext uri="{9D8B030D-6E8A-4147-A177-3AD203B41FA5}">
-                      <a16:colId xmlns:a16="http://schemas.microsoft.com/office/drawing/2014/main" val="20004"/>
-                    </a:ext>
-                  </a:extLst>
-                </a:gridCol>
-                <a:gridCol w="1364461">
-                  <a:extLst>
-                    <a:ext uri="{9D8B030D-6E8A-4147-A177-3AD203B41FA5}">
-                      <a16:colId xmlns:a16="http://schemas.microsoft.com/office/drawing/2014/main" val="20005"/>
-                    </a:ext>
-                  </a:extLst>
-                </a:gridCol>
-              </a:tblGrid>
-              <a:tr h="1132634">
-                <a:tc>
-                  <a:txBody>
-                    <a:bodyPr/>
-                    <a:lstStyle/>
-                    <a:p>
-                      <a:r>
-                        <a:rPr lang="en-IN" dirty="0"/>
-                        <a:t>TITLE</a:t>
-                      </a:r>
-                      <a:r>
-                        <a:rPr lang="en-IN" baseline="0" dirty="0"/>
-                        <a:t> OF THE PAPER</a:t>
-                      </a:r>
-                      <a:endParaRPr lang="en-US" dirty="0"/>
-                    </a:p>
-                  </a:txBody>
-                  <a:tcPr/>
-                </a:tc>
-                <a:tc>
-                  <a:txBody>
-                    <a:bodyPr/>
-                    <a:lstStyle/>
-                    <a:p>
-                      <a:r>
-                        <a:rPr lang="en-IN"/>
-                        <a:t>AUTHORS</a:t>
-                      </a:r>
-                      <a:endParaRPr lang="en-US" dirty="0"/>
-                    </a:p>
-                  </a:txBody>
-                  <a:tcPr/>
-                </a:tc>
-                <a:tc>
-                  <a:txBody>
-                    <a:bodyPr/>
-                    <a:lstStyle/>
-                    <a:p>
-                      <a:r>
-                        <a:rPr lang="en-IN" dirty="0"/>
-                        <a:t>YEAR</a:t>
-                      </a:r>
-                      <a:endParaRPr lang="en-US" dirty="0"/>
-                    </a:p>
-                  </a:txBody>
-                  <a:tcPr/>
-                </a:tc>
-                <a:tc>
-                  <a:txBody>
-                    <a:bodyPr/>
-                    <a:lstStyle/>
-                    <a:p>
-                      <a:r>
-                        <a:rPr lang="en-IN" dirty="0"/>
-                        <a:t>DOMAIN</a:t>
-                      </a:r>
-                      <a:endParaRPr lang="en-US" dirty="0"/>
-                    </a:p>
-                  </a:txBody>
-                  <a:tcPr/>
-                </a:tc>
-                <a:tc>
-                  <a:txBody>
-                    <a:bodyPr/>
-                    <a:lstStyle/>
-                    <a:p>
-                      <a:r>
-                        <a:rPr lang="en-IN" dirty="0"/>
-                        <a:t>TECHINIQUES /ALGORITHM</a:t>
-                      </a:r>
-                      <a:endParaRPr lang="en-US" dirty="0"/>
-                    </a:p>
-                  </a:txBody>
-                  <a:tcPr/>
-                </a:tc>
-                <a:tc>
-                  <a:txBody>
-                    <a:bodyPr/>
-                    <a:lstStyle/>
-                    <a:p>
-                      <a:r>
-                        <a:rPr lang="en-IN" dirty="0"/>
-                        <a:t>INFERENCE/CONCLUSION</a:t>
-                      </a:r>
-                      <a:endParaRPr lang="en-US" dirty="0"/>
-                    </a:p>
-                  </a:txBody>
-                  <a:tcPr/>
-                </a:tc>
-                <a:extLst>
-                  <a:ext uri="{0D108BD9-81ED-4DB2-BD59-A6C34878D82A}">
-                    <a16:rowId xmlns:a16="http://schemas.microsoft.com/office/drawing/2014/main" val="10000"/>
-                  </a:ext>
-                </a:extLst>
-              </a:tr>
-              <a:tr h="2003891">
-                <a:tc>
-                  <a:txBody>
-                    <a:bodyPr/>
-                    <a:lstStyle/>
-                    <a:p>
-                      <a:pPr marL="0" marR="0" indent="0" algn="l" defTabSz="914400" rtl="0" eaLnBrk="1" fontAlgn="auto" latinLnBrk="0" hangingPunct="1">
-                        <a:lnSpc>
-                          <a:spcPct val="100000"/>
-                        </a:lnSpc>
-                        <a:spcBef>
-                          <a:spcPts val="0"/>
-                        </a:spcBef>
-                        <a:spcAft>
-                          <a:spcPts val="0"/>
-                        </a:spcAft>
-                        <a:buClrTx/>
-                        <a:buSzTx/>
-                        <a:buFontTx/>
-                        <a:buNone/>
-                        <a:tabLst/>
-                        <a:defRPr/>
-                      </a:pPr>
-                      <a:r>
-                        <a:rPr lang="en-US" sz="1400" dirty="0"/>
-                        <a:t>Prediction of risk score for heart disease using associative classification and hybrid feature subset selection</a:t>
-                      </a:r>
-                      <a:endParaRPr lang="en-US" sz="1400" dirty="0">
-                        <a:latin typeface="Times New Roman" pitchFamily="18" charset="0"/>
-                        <a:cs typeface="Times New Roman" pitchFamily="18" charset="0"/>
-                      </a:endParaRPr>
-                    </a:p>
-                  </a:txBody>
-                  <a:tcPr/>
-                </a:tc>
-                <a:tc>
-                  <a:txBody>
-                    <a:bodyPr/>
-                    <a:lstStyle/>
-                    <a:p>
-                      <a:r>
-                        <a:rPr lang="en-US" sz="1400" dirty="0"/>
-                        <a:t>M. A. Jabbar, P. Chandra, and B. L. </a:t>
-                      </a:r>
-                      <a:r>
-                        <a:rPr lang="en-US" sz="1400" dirty="0" err="1"/>
-                        <a:t>Deekshatulu</a:t>
-                      </a:r>
-                      <a:endParaRPr lang="en-US" sz="1400" dirty="0">
-                        <a:latin typeface="Times New Roman" pitchFamily="18" charset="0"/>
-                        <a:cs typeface="Times New Roman" pitchFamily="18" charset="0"/>
-                      </a:endParaRPr>
-                    </a:p>
-                  </a:txBody>
-                  <a:tcPr/>
-                </a:tc>
-                <a:tc>
-                  <a:txBody>
-                    <a:bodyPr/>
-                    <a:lstStyle/>
-                    <a:p>
-                      <a:r>
-                        <a:rPr lang="en-IN" sz="1400" dirty="0"/>
-                        <a:t>2016</a:t>
-                      </a:r>
-                      <a:endParaRPr lang="en-US" sz="1400" dirty="0">
-                        <a:latin typeface="Times New Roman" pitchFamily="18" charset="0"/>
-                        <a:cs typeface="Times New Roman" pitchFamily="18" charset="0"/>
-                      </a:endParaRPr>
-                    </a:p>
-                  </a:txBody>
-                  <a:tcPr/>
-                </a:tc>
-                <a:tc>
-                  <a:txBody>
-                    <a:bodyPr/>
-                    <a:lstStyle/>
-                    <a:p>
-                      <a:r>
-                        <a:rPr lang="en-IN" sz="1400" dirty="0"/>
-                        <a:t>Data Mining</a:t>
-                      </a:r>
-                      <a:endParaRPr lang="en-US" sz="1400" dirty="0">
-                        <a:latin typeface="Times New Roman" pitchFamily="18" charset="0"/>
-                        <a:cs typeface="Times New Roman" pitchFamily="18" charset="0"/>
-                      </a:endParaRPr>
-                    </a:p>
-                  </a:txBody>
-                  <a:tcPr/>
-                </a:tc>
-                <a:tc>
-                  <a:txBody>
-                    <a:bodyPr/>
-                    <a:lstStyle/>
-                    <a:p>
-                      <a:r>
-                        <a:rPr lang="en-US" sz="1400" dirty="0" err="1"/>
-                        <a:t>Apriori</a:t>
-                      </a:r>
-                      <a:endParaRPr lang="en-US" sz="1400" dirty="0">
-                        <a:latin typeface="Times New Roman" pitchFamily="18" charset="0"/>
-                        <a:cs typeface="Times New Roman" pitchFamily="18" charset="0"/>
-                      </a:endParaRPr>
-                    </a:p>
-                  </a:txBody>
-                  <a:tcPr/>
-                </a:tc>
-                <a:tc>
-                  <a:txBody>
-                    <a:bodyPr/>
-                    <a:lstStyle/>
-                    <a:p>
-                      <a:r>
-                        <a:rPr lang="en-US" sz="1200" dirty="0"/>
-                        <a:t>We employed associative </a:t>
-                      </a:r>
-                    </a:p>
-                    <a:p>
-                      <a:r>
-                        <a:rPr lang="en-US" sz="1200" dirty="0"/>
-                        <a:t>classification to improve the accuracy of classification. </a:t>
-                      </a:r>
-                    </a:p>
-                    <a:p>
-                      <a:r>
-                        <a:rPr lang="en-US" sz="1200" dirty="0"/>
-                        <a:t>Associative classification is fit to application like medical </a:t>
-                      </a:r>
-                    </a:p>
-                    <a:p>
-                      <a:r>
-                        <a:rPr lang="en-US" sz="1200" dirty="0"/>
-                        <a:t>data mining.</a:t>
-                      </a:r>
-                    </a:p>
-                  </a:txBody>
-                  <a:tcPr/>
-                </a:tc>
-                <a:extLst>
-                  <a:ext uri="{0D108BD9-81ED-4DB2-BD59-A6C34878D82A}">
-                    <a16:rowId xmlns:a16="http://schemas.microsoft.com/office/drawing/2014/main" val="10001"/>
-                  </a:ext>
-                </a:extLst>
-              </a:tr>
-              <a:tr h="2120059">
-                <a:tc>
-                  <a:txBody>
-                    <a:bodyPr/>
-                    <a:lstStyle/>
-                    <a:p>
-                      <a:pPr marL="0" marR="0" lvl="0" indent="0" algn="l" defTabSz="914400" rtl="0" eaLnBrk="1" fontAlgn="auto" latinLnBrk="0" hangingPunct="1">
-                        <a:lnSpc>
-                          <a:spcPct val="100000"/>
-                        </a:lnSpc>
-                        <a:spcBef>
-                          <a:spcPts val="0"/>
-                        </a:spcBef>
-                        <a:spcAft>
-                          <a:spcPts val="0"/>
-                        </a:spcAft>
-                        <a:buClrTx/>
-                        <a:buSzTx/>
-                        <a:buFontTx/>
-                        <a:buNone/>
-                        <a:tabLst/>
-                        <a:defRPr/>
-                      </a:pPr>
-                      <a:r>
-                        <a:rPr lang="en-US" sz="1400" kern="1200" dirty="0">
-                          <a:solidFill>
-                            <a:schemeClr val="dk1"/>
-                          </a:solidFill>
-                        </a:rPr>
-                        <a:t>Machine learning can predict survival of patients with heart failure from serum creatinine and ejection fraction alone</a:t>
-                      </a:r>
-                    </a:p>
-                    <a:p>
-                      <a:pPr marL="0" marR="0" indent="0" algn="l" defTabSz="914400" rtl="0" eaLnBrk="1" fontAlgn="auto" latinLnBrk="0" hangingPunct="1">
-                        <a:lnSpc>
-                          <a:spcPct val="100000"/>
-                        </a:lnSpc>
-                        <a:spcBef>
-                          <a:spcPts val="0"/>
-                        </a:spcBef>
-                        <a:spcAft>
-                          <a:spcPts val="0"/>
-                        </a:spcAft>
-                        <a:buClrTx/>
-                        <a:buSzTx/>
-                        <a:buFontTx/>
-                        <a:buNone/>
-                        <a:tabLst/>
-                        <a:defRPr/>
-                      </a:pPr>
-                      <a:endParaRPr lang="en-US" sz="1400" dirty="0">
-                        <a:latin typeface="Times New Roman" pitchFamily="18" charset="0"/>
-                        <a:cs typeface="Times New Roman" pitchFamily="18" charset="0"/>
-                      </a:endParaRPr>
-                    </a:p>
-                  </a:txBody>
-                  <a:tcPr/>
-                </a:tc>
-                <a:tc>
-                  <a:txBody>
-                    <a:bodyPr/>
-                    <a:lstStyle/>
-                    <a:p>
-                      <a:r>
-                        <a:rPr lang="en-US" sz="1400" kern="1200" dirty="0">
-                          <a:solidFill>
-                            <a:schemeClr val="dk1"/>
-                          </a:solidFill>
-                        </a:rPr>
-                        <a:t>Davide Chicco &amp; </a:t>
-                      </a:r>
-                    </a:p>
-                    <a:p>
-                      <a:r>
-                        <a:rPr lang="en-US" sz="1400" kern="1200" dirty="0">
-                          <a:solidFill>
-                            <a:schemeClr val="dk1"/>
-                          </a:solidFill>
-                        </a:rPr>
-                        <a:t>Giuseppe </a:t>
-                      </a:r>
-                      <a:r>
-                        <a:rPr lang="en-US" sz="1400" kern="1200" dirty="0" err="1">
-                          <a:solidFill>
-                            <a:schemeClr val="dk1"/>
-                          </a:solidFill>
-                        </a:rPr>
-                        <a:t>Jurman</a:t>
-                      </a:r>
-                      <a:r>
-                        <a:rPr lang="en-US" sz="1400" kern="1200" dirty="0">
-                          <a:solidFill>
-                            <a:schemeClr val="dk1"/>
-                          </a:solidFill>
-                        </a:rPr>
-                        <a:t> </a:t>
-                      </a:r>
-                    </a:p>
-                    <a:p>
-                      <a:endParaRPr lang="en-US" sz="1400" dirty="0">
-                        <a:latin typeface="Times New Roman" pitchFamily="18" charset="0"/>
-                        <a:cs typeface="Times New Roman" pitchFamily="18" charset="0"/>
-                      </a:endParaRPr>
-                    </a:p>
-                  </a:txBody>
-                  <a:tcPr/>
-                </a:tc>
-                <a:tc>
-                  <a:txBody>
-                    <a:bodyPr/>
-                    <a:lstStyle/>
-                    <a:p>
-                      <a:r>
-                        <a:rPr lang="en-US" sz="1400" dirty="0"/>
-                        <a:t>2020</a:t>
-                      </a:r>
-                      <a:endParaRPr lang="en-US" sz="1400" dirty="0">
-                        <a:latin typeface="Times New Roman" pitchFamily="18" charset="0"/>
-                        <a:cs typeface="Times New Roman" pitchFamily="18" charset="0"/>
-                      </a:endParaRPr>
-                    </a:p>
-                  </a:txBody>
-                  <a:tcPr/>
-                </a:tc>
-                <a:tc>
-                  <a:txBody>
-                    <a:bodyPr/>
-                    <a:lstStyle/>
-                    <a:p>
-                      <a:r>
-                        <a:rPr lang="en-US" sz="1400" dirty="0"/>
-                        <a:t>Machine Learning</a:t>
-                      </a:r>
-                      <a:endParaRPr lang="en-US" sz="1400" dirty="0">
-                        <a:latin typeface="Times New Roman" pitchFamily="18" charset="0"/>
-                        <a:cs typeface="Times New Roman" pitchFamily="18" charset="0"/>
-                      </a:endParaRPr>
-                    </a:p>
-                  </a:txBody>
-                  <a:tcPr/>
-                </a:tc>
-                <a:tc>
-                  <a:txBody>
-                    <a:bodyPr/>
-                    <a:lstStyle/>
-                    <a:p>
-                      <a:r>
-                        <a:rPr lang="en-US" sz="1400" dirty="0"/>
-                        <a:t>KNN, SVM, </a:t>
-                      </a:r>
-                      <a:r>
-                        <a:rPr lang="en-US" sz="1400" kern="1200" dirty="0">
-                          <a:solidFill>
-                            <a:schemeClr val="dk1"/>
-                          </a:solidFill>
-                        </a:rPr>
-                        <a:t>Random</a:t>
-                      </a:r>
-                      <a:r>
-                        <a:rPr lang="en-US" sz="1400" dirty="0"/>
-                        <a:t> Forest,</a:t>
-                      </a:r>
-                    </a:p>
-                    <a:p>
-                      <a:r>
-                        <a:rPr lang="en-US" sz="1400" dirty="0"/>
-                        <a:t>Decision tree</a:t>
-                      </a:r>
-                      <a:endParaRPr lang="en-US" sz="1400" dirty="0">
-                        <a:latin typeface="Times New Roman" pitchFamily="18" charset="0"/>
-                        <a:cs typeface="Times New Roman" pitchFamily="18" charset="0"/>
-                      </a:endParaRPr>
-                    </a:p>
-                  </a:txBody>
-                  <a:tcPr/>
-                </a:tc>
-                <a:tc>
-                  <a:txBody>
-                    <a:bodyPr/>
-                    <a:lstStyle/>
-                    <a:p>
-                      <a:r>
-                        <a:rPr lang="en-IN" sz="1400" kern="1200" dirty="0">
-                          <a:solidFill>
-                            <a:schemeClr val="dk1"/>
-                          </a:solidFill>
-                        </a:rPr>
-                        <a:t>Accuracy:</a:t>
-                      </a:r>
-                    </a:p>
-                    <a:p>
-                      <a:endParaRPr lang="en-IN" sz="1400" kern="1200" dirty="0">
-                        <a:solidFill>
-                          <a:schemeClr val="dk1"/>
-                        </a:solidFill>
-                      </a:endParaRPr>
-                    </a:p>
-                    <a:p>
-                      <a:r>
-                        <a:rPr lang="en-IN" sz="1400" kern="1200" dirty="0">
-                          <a:solidFill>
-                            <a:schemeClr val="dk1"/>
-                          </a:solidFill>
-                        </a:rPr>
-                        <a:t>Decision Tree=64%</a:t>
-                      </a:r>
-                    </a:p>
-                    <a:p>
-                      <a:r>
-                        <a:rPr lang="en-IN" sz="1400" kern="1200" dirty="0">
-                          <a:solidFill>
-                            <a:schemeClr val="dk1"/>
-                          </a:solidFill>
-                        </a:rPr>
-                        <a:t>KNN =78%</a:t>
-                      </a:r>
-                    </a:p>
-                    <a:p>
-                      <a:r>
-                        <a:rPr lang="en-IN" sz="1400" kern="1200" dirty="0">
-                          <a:solidFill>
-                            <a:schemeClr val="dk1"/>
-                          </a:solidFill>
-                        </a:rPr>
-                        <a:t>SVM =65%</a:t>
-                      </a:r>
-                    </a:p>
-                    <a:p>
-                      <a:r>
-                        <a:rPr lang="en-US" sz="1400" kern="1200" dirty="0">
-                          <a:solidFill>
-                            <a:schemeClr val="dk1"/>
-                          </a:solidFill>
-                        </a:rPr>
-                        <a:t>Random Forest=70%</a:t>
-                      </a:r>
-                      <a:endParaRPr lang="en-US" sz="1400" kern="1200" dirty="0">
-                        <a:solidFill>
-                          <a:schemeClr val="dk1"/>
-                        </a:solidFill>
-                        <a:latin typeface="Times New Roman" pitchFamily="18" charset="0"/>
-                        <a:ea typeface="+mn-ea"/>
-                        <a:cs typeface="Times New Roman" pitchFamily="18" charset="0"/>
-                      </a:endParaRPr>
-                    </a:p>
-                  </a:txBody>
-                  <a:tcPr/>
-                </a:tc>
-                <a:extLst>
-                  <a:ext uri="{0D108BD9-81ED-4DB2-BD59-A6C34878D82A}">
-                    <a16:rowId xmlns:a16="http://schemas.microsoft.com/office/drawing/2014/main" val="80845090"/>
-                  </a:ext>
-                </a:extLst>
-              </a:tr>
-            </a:tbl>
-          </a:graphicData>
-        </a:graphic>
-      </p:graphicFrame>
-    </p:spTree>
-  </p:cSld>
-  <p:clrMapOvr>
-    <a:masterClrMapping/>
-  </p:clrMapOvr>
-</p:sld>
-</file>
-
-<file path=ppt/slides/slide7.xml><?xml version="1.0" encoding="utf-8"?>
-<p:sld xmlns:a="http://schemas.openxmlformats.org/drawingml/2006/main" xmlns:r="http://schemas.openxmlformats.org/officeDocument/2006/relationships" xmlns:p="http://schemas.openxmlformats.org/presentationml/2006/main">
-  <p:cSld>
-    <p:spTree>
-      <p:nvGrpSpPr>
-        <p:cNvPr id="1" name=""/>
-        <p:cNvGrpSpPr/>
-        <p:nvPr/>
-      </p:nvGrpSpPr>
-      <p:grpSpPr>
-        <a:xfrm>
-          <a:off x="0" y="0"/>
-          <a:ext cx="0" cy="0"/>
-          <a:chOff x="0" y="0"/>
-          <a:chExt cx="0" cy="0"/>
-        </a:xfrm>
-      </p:grpSpPr>
-      <p:sp>
-        <p:nvSpPr>
-          <p:cNvPr id="2" name="Title 1"/>
-          <p:cNvSpPr>
-            <a:spLocks noGrp="1"/>
-          </p:cNvSpPr>
-          <p:nvPr>
-            <p:ph type="title"/>
-          </p:nvPr>
-        </p:nvSpPr>
-        <p:spPr>
-          <a:xfrm>
-            <a:off x="467544" y="692696"/>
+            <a:off x="457200" y="548680"/>
             <a:ext cx="8229600" cy="785818"/>
           </a:xfrm>
         </p:spPr>
@@ -7243,143 +5818,6 @@
           <a:bodyPr>
             <a:normAutofit/>
           </a:bodyPr>
-          <a:lstStyle/>
-          <a:p>
-            <a:r>
-              <a:rPr lang="en-US" b="1" dirty="0">
-                <a:latin typeface="Times New Roman" pitchFamily="18" charset="0"/>
-                <a:cs typeface="Times New Roman" pitchFamily="18" charset="0"/>
-              </a:rPr>
-              <a:t>Problem Statement</a:t>
-            </a:r>
-          </a:p>
-        </p:txBody>
-      </p:sp>
-      <p:sp>
-        <p:nvSpPr>
-          <p:cNvPr id="3" name="Content Placeholder 2"/>
-          <p:cNvSpPr>
-            <a:spLocks noGrp="1"/>
-          </p:cNvSpPr>
-          <p:nvPr>
-            <p:ph idx="1"/>
-          </p:nvPr>
-        </p:nvSpPr>
-        <p:spPr>
-          <a:xfrm>
-            <a:off x="457200" y="2071678"/>
-            <a:ext cx="8507288" cy="4054485"/>
-          </a:xfrm>
-        </p:spPr>
-        <p:txBody>
-          <a:bodyPr>
-            <a:normAutofit/>
-          </a:bodyPr>
-          <a:lstStyle/>
-          <a:p>
-            <a:pPr algn="just">
-              <a:lnSpc>
-                <a:spcPct val="150000"/>
-              </a:lnSpc>
-              <a:buNone/>
-            </a:pPr>
-            <a:r>
-              <a:rPr lang="en-US" sz="2000" dirty="0">
-                <a:latin typeface="Times New Roman" pitchFamily="18" charset="0"/>
-                <a:cs typeface="Times New Roman" pitchFamily="18" charset="0"/>
-              </a:rPr>
-              <a:t>	</a:t>
-            </a:r>
-            <a:endParaRPr lang="en-US" sz="2000" b="1" dirty="0">
-              <a:latin typeface="Times New Roman" pitchFamily="18" charset="0"/>
-              <a:cs typeface="Times New Roman" pitchFamily="18" charset="0"/>
-            </a:endParaRPr>
-          </a:p>
-          <a:p>
-            <a:pPr algn="just">
-              <a:lnSpc>
-                <a:spcPct val="150000"/>
-              </a:lnSpc>
-              <a:buNone/>
-            </a:pPr>
-            <a:r>
-              <a:rPr lang="en-US" sz="2400" dirty="0">
-                <a:latin typeface="Times New Roman" pitchFamily="18" charset="0"/>
-                <a:cs typeface="Times New Roman" pitchFamily="18" charset="0"/>
-              </a:rPr>
-              <a:t>	Classification survival of patients with heart failure based on various machine learning algorithms like Support Vector machine, Decision Tree, Random Forest and Multi-layer Perceptron classifier</a:t>
-            </a:r>
-            <a:r>
-              <a:rPr lang="en-US" sz="2400" dirty="0"/>
-              <a:t>.</a:t>
-            </a:r>
-            <a:endParaRPr lang="en-US" sz="2400" dirty="0">
-              <a:latin typeface="Times New Roman" pitchFamily="18" charset="0"/>
-              <a:cs typeface="Times New Roman" pitchFamily="18" charset="0"/>
-            </a:endParaRPr>
-          </a:p>
-          <a:p>
-            <a:pPr algn="just">
-              <a:lnSpc>
-                <a:spcPct val="150000"/>
-              </a:lnSpc>
-              <a:buNone/>
-            </a:pPr>
-            <a:endParaRPr lang="en-IN" sz="2000" dirty="0">
-              <a:latin typeface="Times New Roman" pitchFamily="18" charset="0"/>
-              <a:cs typeface="Times New Roman" pitchFamily="18" charset="0"/>
-            </a:endParaRPr>
-          </a:p>
-        </p:txBody>
-      </p:sp>
-    </p:spTree>
-    <p:extLst>
-      <p:ext uri="{BB962C8B-B14F-4D97-AF65-F5344CB8AC3E}">
-        <p14:creationId xmlns:p14="http://schemas.microsoft.com/office/powerpoint/2010/main" val="2750666915"/>
-      </p:ext>
-    </p:extLst>
-  </p:cSld>
-  <p:clrMapOvr>
-    <a:masterClrMapping/>
-  </p:clrMapOvr>
-</p:sld>
-</file>
-
-<file path=ppt/slides/slide8.xml><?xml version="1.0" encoding="utf-8"?>
-<p:sld xmlns:a="http://schemas.openxmlformats.org/drawingml/2006/main" xmlns:r="http://schemas.openxmlformats.org/officeDocument/2006/relationships" xmlns:p="http://schemas.openxmlformats.org/presentationml/2006/main">
-  <p:cSld>
-    <p:spTree>
-      <p:nvGrpSpPr>
-        <p:cNvPr id="1" name=""/>
-        <p:cNvGrpSpPr/>
-        <p:nvPr/>
-      </p:nvGrpSpPr>
-      <p:grpSpPr>
-        <a:xfrm>
-          <a:off x="0" y="0"/>
-          <a:ext cx="0" cy="0"/>
-          <a:chOff x="0" y="0"/>
-          <a:chExt cx="0" cy="0"/>
-        </a:xfrm>
-      </p:grpSpPr>
-      <p:sp>
-        <p:nvSpPr>
-          <p:cNvPr id="2" name="Title 1"/>
-          <p:cNvSpPr>
-            <a:spLocks noGrp="1"/>
-          </p:cNvSpPr>
-          <p:nvPr>
-            <p:ph type="title"/>
-          </p:nvPr>
-        </p:nvSpPr>
-        <p:spPr>
-          <a:xfrm>
-            <a:off x="457200" y="764704"/>
-            <a:ext cx="8229600" cy="792088"/>
-          </a:xfrm>
-        </p:spPr>
-        <p:txBody>
-          <a:bodyPr/>
           <a:lstStyle/>
           <a:p>
             <a:r>
@@ -7387,195 +5825,7 @@
                 <a:latin typeface="Times New Roman" pitchFamily="18" charset="0"/>
                 <a:cs typeface="Times New Roman" pitchFamily="18" charset="0"/>
               </a:rPr>
-              <a:t>About Dataset</a:t>
-            </a:r>
-          </a:p>
-        </p:txBody>
-      </p:sp>
-      <p:sp>
-        <p:nvSpPr>
-          <p:cNvPr id="3" name="Content Placeholder 2"/>
-          <p:cNvSpPr>
-            <a:spLocks noGrp="1"/>
-          </p:cNvSpPr>
-          <p:nvPr>
-            <p:ph idx="1"/>
-          </p:nvPr>
-        </p:nvSpPr>
-        <p:spPr>
-          <a:xfrm>
-            <a:off x="107504" y="1700808"/>
-            <a:ext cx="8784976" cy="4656580"/>
-          </a:xfrm>
-        </p:spPr>
-        <p:txBody>
-          <a:bodyPr>
-            <a:noAutofit/>
-          </a:bodyPr>
-          <a:lstStyle/>
-          <a:p>
-            <a:pPr marL="0" indent="0" algn="just">
-              <a:lnSpc>
-                <a:spcPct val="150000"/>
-              </a:lnSpc>
-              <a:spcBef>
-                <a:spcPts val="0"/>
-              </a:spcBef>
-              <a:buNone/>
-            </a:pPr>
-            <a:endParaRPr lang="en-US" sz="2200" dirty="0">
-              <a:latin typeface="Times New Roman" pitchFamily="18" charset="0"/>
-              <a:ea typeface="Tahoma" pitchFamily="34" charset="0"/>
-              <a:cs typeface="Times New Roman" pitchFamily="18" charset="0"/>
-            </a:endParaRPr>
-          </a:p>
-          <a:p>
-            <a:pPr marL="0" indent="0" algn="just">
-              <a:lnSpc>
-                <a:spcPct val="150000"/>
-              </a:lnSpc>
-              <a:spcBef>
-                <a:spcPts val="0"/>
-              </a:spcBef>
-              <a:buNone/>
-            </a:pPr>
-            <a:r>
-              <a:rPr lang="en-US" sz="2200" dirty="0">
-                <a:latin typeface="Times New Roman" pitchFamily="18" charset="0"/>
-                <a:ea typeface="Tahoma" pitchFamily="34" charset="0"/>
-                <a:cs typeface="Times New Roman" pitchFamily="18" charset="0"/>
-              </a:rPr>
-              <a:t>The </a:t>
-            </a:r>
-            <a:r>
-              <a:rPr lang="en-US" sz="2200" b="1" dirty="0">
-                <a:latin typeface="Times New Roman" pitchFamily="18" charset="0"/>
-                <a:ea typeface="Tahoma" pitchFamily="34" charset="0"/>
-                <a:cs typeface="Times New Roman" pitchFamily="18" charset="0"/>
-              </a:rPr>
-              <a:t>Heart failure clinical records</a:t>
-            </a:r>
-            <a:r>
-              <a:rPr lang="en-US" sz="2200" dirty="0">
-                <a:latin typeface="Times New Roman" pitchFamily="18" charset="0"/>
-                <a:ea typeface="Tahoma" pitchFamily="34" charset="0"/>
-                <a:cs typeface="Times New Roman" pitchFamily="18" charset="0"/>
-              </a:rPr>
-              <a:t> dataset consists of 300 instances and 13 attributes collected from UCI machine learning repository.</a:t>
-            </a:r>
-          </a:p>
-          <a:p>
-            <a:pPr marL="0" indent="0" algn="just">
-              <a:lnSpc>
-                <a:spcPct val="150000"/>
-              </a:lnSpc>
-              <a:spcBef>
-                <a:spcPts val="0"/>
-              </a:spcBef>
-              <a:buNone/>
-            </a:pPr>
-            <a:endParaRPr lang="en-US" sz="2200" dirty="0">
-              <a:latin typeface="Times New Roman" pitchFamily="18" charset="0"/>
-              <a:ea typeface="Tahoma" pitchFamily="34" charset="0"/>
-              <a:cs typeface="Times New Roman" pitchFamily="18" charset="0"/>
-            </a:endParaRPr>
-          </a:p>
-          <a:p>
-            <a:pPr marL="0" indent="0" algn="just">
-              <a:lnSpc>
-                <a:spcPct val="150000"/>
-              </a:lnSpc>
-              <a:spcBef>
-                <a:spcPts val="0"/>
-              </a:spcBef>
-              <a:buNone/>
-            </a:pPr>
-            <a:r>
-              <a:rPr lang="en-US" sz="2200" dirty="0">
-                <a:latin typeface="Times New Roman" pitchFamily="18" charset="0"/>
-                <a:ea typeface="Tahoma" pitchFamily="34" charset="0"/>
-                <a:cs typeface="Times New Roman" pitchFamily="18" charset="0"/>
-              </a:rPr>
-              <a:t> </a:t>
-            </a:r>
-            <a:r>
-              <a:rPr lang="en-IN" sz="2200" b="1" dirty="0">
-                <a:latin typeface="Times New Roman" pitchFamily="18" charset="0"/>
-                <a:cs typeface="Times New Roman" pitchFamily="18" charset="0"/>
-              </a:rPr>
-              <a:t>Attribute Information:</a:t>
-            </a:r>
-            <a:r>
-              <a:rPr lang="en-US" sz="2400" dirty="0">
-                <a:latin typeface="Times New Roman" pitchFamily="18" charset="0"/>
-                <a:cs typeface="Times New Roman" pitchFamily="18" charset="0"/>
-              </a:rPr>
-              <a:t>age, anemia, high blood pressure , creatinine phosphokinase (CPK) , diabetes , ejection fraction ,  platelets , sex , serum creatinine , serum sodium , smoking , time , death event </a:t>
-            </a:r>
-            <a:r>
-              <a:rPr lang="en-US" dirty="0"/>
-              <a:t>.</a:t>
-            </a:r>
-            <a:endParaRPr lang="en-IN" sz="2200" dirty="0">
-              <a:latin typeface="Times New Roman" pitchFamily="18" charset="0"/>
-              <a:cs typeface="Times New Roman" pitchFamily="18" charset="0"/>
-            </a:endParaRPr>
-          </a:p>
-        </p:txBody>
-      </p:sp>
-    </p:spTree>
-  </p:cSld>
-  <p:clrMapOvr>
-    <a:masterClrMapping/>
-  </p:clrMapOvr>
-</p:sld>
-</file>
-
-<file path=ppt/slides/slide9.xml><?xml version="1.0" encoding="utf-8"?>
-<p:sld xmlns:a="http://schemas.openxmlformats.org/drawingml/2006/main" xmlns:r="http://schemas.openxmlformats.org/officeDocument/2006/relationships" xmlns:p="http://schemas.openxmlformats.org/presentationml/2006/main">
-  <p:cSld>
-    <p:spTree>
-      <p:nvGrpSpPr>
-        <p:cNvPr id="1" name=""/>
-        <p:cNvGrpSpPr/>
-        <p:nvPr/>
-      </p:nvGrpSpPr>
-      <p:grpSpPr>
-        <a:xfrm>
-          <a:off x="0" y="0"/>
-          <a:ext cx="0" cy="0"/>
-          <a:chOff x="0" y="0"/>
-          <a:chExt cx="0" cy="0"/>
-        </a:xfrm>
-      </p:grpSpPr>
-      <p:sp>
-        <p:nvSpPr>
-          <p:cNvPr id="2" name="Title 1"/>
-          <p:cNvSpPr>
-            <a:spLocks noGrp="1"/>
-          </p:cNvSpPr>
-          <p:nvPr>
-            <p:ph type="title"/>
-          </p:nvPr>
-        </p:nvSpPr>
-        <p:spPr>
-          <a:xfrm>
-            <a:off x="457200" y="548680"/>
-            <a:ext cx="8229600" cy="785818"/>
-          </a:xfrm>
-        </p:spPr>
-        <p:txBody>
-          <a:bodyPr>
-            <a:normAutofit/>
-          </a:bodyPr>
-          <a:lstStyle/>
-          <a:p>
-            <a:r>
-              <a:rPr lang="en-IN" b="1" dirty="0">
-                <a:latin typeface="Times New Roman" pitchFamily="18" charset="0"/>
-                <a:cs typeface="Times New Roman" pitchFamily="18" charset="0"/>
-              </a:rPr>
-              <a:t>Design Workflow</a:t>
+              <a:t>Design</a:t>
             </a:r>
             <a:endParaRPr lang="en-IN" dirty="0"/>
           </a:p>
@@ -7654,6 +5904,503 @@
         </p:spPr>
       </p:pic>
     </p:spTree>
+  </p:cSld>
+  <p:clrMapOvr>
+    <a:masterClrMapping/>
+  </p:clrMapOvr>
+</p:sld>
+</file>
+
+<file path=ppt/slides/slide7.xml><?xml version="1.0" encoding="utf-8"?>
+<p:sld xmlns:a="http://schemas.openxmlformats.org/drawingml/2006/main" xmlns:r="http://schemas.openxmlformats.org/officeDocument/2006/relationships" xmlns:p="http://schemas.openxmlformats.org/presentationml/2006/main">
+  <p:cSld>
+    <p:spTree>
+      <p:nvGrpSpPr>
+        <p:cNvPr id="1" name=""/>
+        <p:cNvGrpSpPr/>
+        <p:nvPr/>
+      </p:nvGrpSpPr>
+      <p:grpSpPr>
+        <a:xfrm>
+          <a:off x="0" y="0"/>
+          <a:ext cx="0" cy="0"/>
+          <a:chOff x="0" y="0"/>
+          <a:chExt cx="0" cy="0"/>
+        </a:xfrm>
+      </p:grpSpPr>
+      <p:sp>
+        <p:nvSpPr>
+          <p:cNvPr id="2" name="Title 1"/>
+          <p:cNvSpPr>
+            <a:spLocks noGrp="1"/>
+          </p:cNvSpPr>
+          <p:nvPr>
+            <p:ph type="title"/>
+          </p:nvPr>
+        </p:nvSpPr>
+        <p:spPr>
+          <a:xfrm>
+            <a:off x="467544" y="404664"/>
+            <a:ext cx="8229600" cy="1143000"/>
+          </a:xfrm>
+        </p:spPr>
+        <p:txBody>
+          <a:bodyPr/>
+          <a:lstStyle/>
+          <a:p>
+            <a:r>
+              <a:rPr lang="en-US" b="1" dirty="0">
+                <a:latin typeface="Times New Roman" pitchFamily="18" charset="0"/>
+                <a:cs typeface="Times New Roman" pitchFamily="18" charset="0"/>
+              </a:rPr>
+              <a:t>Design </a:t>
+            </a:r>
+            <a:endParaRPr lang="en-IN" b="1" dirty="0">
+              <a:latin typeface="Times New Roman" pitchFamily="18" charset="0"/>
+              <a:cs typeface="Times New Roman" pitchFamily="18" charset="0"/>
+            </a:endParaRPr>
+          </a:p>
+        </p:txBody>
+      </p:sp>
+      <p:sp>
+        <p:nvSpPr>
+          <p:cNvPr id="3" name="Content Placeholder 2"/>
+          <p:cNvSpPr>
+            <a:spLocks noGrp="1"/>
+          </p:cNvSpPr>
+          <p:nvPr>
+            <p:ph idx="1"/>
+          </p:nvPr>
+        </p:nvSpPr>
+        <p:spPr>
+          <a:xfrm>
+            <a:off x="457200" y="1700808"/>
+            <a:ext cx="8229600" cy="4525963"/>
+          </a:xfrm>
+        </p:spPr>
+        <p:txBody>
+          <a:bodyPr>
+            <a:noAutofit/>
+          </a:bodyPr>
+          <a:lstStyle/>
+          <a:p>
+            <a:pPr marL="0" indent="0" algn="just">
+              <a:lnSpc>
+                <a:spcPct val="170000"/>
+              </a:lnSpc>
+              <a:spcBef>
+                <a:spcPts val="0"/>
+              </a:spcBef>
+            </a:pPr>
+            <a:r>
+              <a:rPr lang="en-US" sz="2000" dirty="0">
+                <a:latin typeface="Times New Roman" pitchFamily="18" charset="0"/>
+                <a:cs typeface="Times New Roman" pitchFamily="18" charset="0"/>
+              </a:rPr>
+              <a:t>   In the first step, we collect the data from the repository and categorized the dataset. </a:t>
+            </a:r>
+          </a:p>
+          <a:p>
+            <a:pPr marL="0" indent="0" algn="just">
+              <a:lnSpc>
+                <a:spcPct val="170000"/>
+              </a:lnSpc>
+              <a:spcBef>
+                <a:spcPts val="0"/>
+              </a:spcBef>
+            </a:pPr>
+            <a:r>
+              <a:rPr lang="en-US" sz="2000" dirty="0">
+                <a:latin typeface="Times New Roman" pitchFamily="18" charset="0"/>
+                <a:cs typeface="Times New Roman" pitchFamily="18" charset="0"/>
+              </a:rPr>
+              <a:t>Second step we preprocess the data like cleaning the data, handling missing values, converting data using label encoder and transform the data. </a:t>
+            </a:r>
+          </a:p>
+          <a:p>
+            <a:pPr marL="0" indent="0" algn="just">
+              <a:lnSpc>
+                <a:spcPct val="170000"/>
+              </a:lnSpc>
+              <a:spcBef>
+                <a:spcPts val="0"/>
+              </a:spcBef>
+            </a:pPr>
+            <a:r>
+              <a:rPr lang="en-US" sz="2000" dirty="0">
+                <a:latin typeface="Times New Roman" pitchFamily="18" charset="0"/>
+                <a:cs typeface="Times New Roman" pitchFamily="18" charset="0"/>
+              </a:rPr>
+              <a:t>Third step model is trained to predict the unseen data. The training model used 80% of the data and 20% is for test model.</a:t>
+            </a:r>
+          </a:p>
+          <a:p>
+            <a:pPr marL="0" indent="0" algn="just">
+              <a:lnSpc>
+                <a:spcPct val="170000"/>
+              </a:lnSpc>
+              <a:spcBef>
+                <a:spcPts val="0"/>
+              </a:spcBef>
+            </a:pPr>
+            <a:r>
+              <a:rPr lang="en-US" sz="2000" dirty="0">
+                <a:latin typeface="Times New Roman" pitchFamily="18" charset="0"/>
+                <a:cs typeface="Times New Roman" pitchFamily="18" charset="0"/>
+              </a:rPr>
+              <a:t> In the final step the we predict the accuracy of survival of heart patients. </a:t>
+            </a:r>
+            <a:endParaRPr lang="en-IN" sz="2000" dirty="0">
+              <a:latin typeface="Times New Roman" pitchFamily="18" charset="0"/>
+              <a:cs typeface="Times New Roman" pitchFamily="18" charset="0"/>
+            </a:endParaRPr>
+          </a:p>
+        </p:txBody>
+      </p:sp>
+    </p:spTree>
+    <p:extLst>
+      <p:ext uri="{BB962C8B-B14F-4D97-AF65-F5344CB8AC3E}">
+        <p14:creationId xmlns:p14="http://schemas.microsoft.com/office/powerpoint/2010/main" val="340434316"/>
+      </p:ext>
+    </p:extLst>
+  </p:cSld>
+  <p:clrMapOvr>
+    <a:masterClrMapping/>
+  </p:clrMapOvr>
+</p:sld>
+</file>
+
+<file path=ppt/slides/slide8.xml><?xml version="1.0" encoding="utf-8"?>
+<p:sld xmlns:a="http://schemas.openxmlformats.org/drawingml/2006/main" xmlns:r="http://schemas.openxmlformats.org/officeDocument/2006/relationships" xmlns:p="http://schemas.openxmlformats.org/presentationml/2006/main">
+  <p:cSld>
+    <p:spTree>
+      <p:nvGrpSpPr>
+        <p:cNvPr id="1" name=""/>
+        <p:cNvGrpSpPr/>
+        <p:nvPr/>
+      </p:nvGrpSpPr>
+      <p:grpSpPr>
+        <a:xfrm>
+          <a:off x="0" y="0"/>
+          <a:ext cx="0" cy="0"/>
+          <a:chOff x="0" y="0"/>
+          <a:chExt cx="0" cy="0"/>
+        </a:xfrm>
+      </p:grpSpPr>
+      <p:sp>
+        <p:nvSpPr>
+          <p:cNvPr id="2" name="Title 1"/>
+          <p:cNvSpPr>
+            <a:spLocks noGrp="1"/>
+          </p:cNvSpPr>
+          <p:nvPr>
+            <p:ph type="title"/>
+          </p:nvPr>
+        </p:nvSpPr>
+        <p:spPr/>
+        <p:txBody>
+          <a:bodyPr/>
+          <a:lstStyle/>
+          <a:p>
+            <a:r>
+              <a:rPr lang="en-IN" b="1" dirty="0">
+                <a:latin typeface="Times New Roman" pitchFamily="18" charset="0"/>
+                <a:cs typeface="Times New Roman" pitchFamily="18" charset="0"/>
+              </a:rPr>
+              <a:t>Implementation</a:t>
+            </a:r>
+          </a:p>
+        </p:txBody>
+      </p:sp>
+      <p:sp>
+        <p:nvSpPr>
+          <p:cNvPr id="3" name="Content Placeholder 2"/>
+          <p:cNvSpPr>
+            <a:spLocks noGrp="1"/>
+          </p:cNvSpPr>
+          <p:nvPr>
+            <p:ph idx="1"/>
+          </p:nvPr>
+        </p:nvSpPr>
+        <p:spPr>
+          <a:xfrm>
+            <a:off x="357158" y="1268760"/>
+            <a:ext cx="8143932" cy="5160636"/>
+          </a:xfrm>
+        </p:spPr>
+        <p:txBody>
+          <a:bodyPr>
+            <a:noAutofit/>
+          </a:bodyPr>
+          <a:lstStyle/>
+          <a:p>
+            <a:pPr algn="just">
+              <a:lnSpc>
+                <a:spcPct val="150000"/>
+              </a:lnSpc>
+              <a:buFont typeface="Wingdings" pitchFamily="2" charset="2"/>
+              <a:buChar char="§"/>
+            </a:pPr>
+            <a:r>
+              <a:rPr lang="en-IN" sz="1800" b="1" dirty="0">
+                <a:latin typeface="Times New Roman" pitchFamily="18" charset="0"/>
+                <a:cs typeface="Times New Roman" pitchFamily="18" charset="0"/>
+              </a:rPr>
+              <a:t>Using 4 algorithms</a:t>
+            </a:r>
+            <a:r>
+              <a:rPr lang="en-IN" sz="1600" dirty="0">
+                <a:latin typeface="Times New Roman" pitchFamily="18" charset="0"/>
+                <a:cs typeface="Times New Roman" pitchFamily="18" charset="0"/>
+              </a:rPr>
+              <a:t>:</a:t>
+            </a:r>
+          </a:p>
+          <a:p>
+            <a:pPr marL="457200" lvl="1" indent="0" algn="just">
+              <a:lnSpc>
+                <a:spcPct val="150000"/>
+              </a:lnSpc>
+              <a:buNone/>
+            </a:pPr>
+            <a:r>
+              <a:rPr lang="en-IN" sz="1600" b="1" dirty="0">
+                <a:latin typeface="Times New Roman" pitchFamily="18" charset="0"/>
+                <a:cs typeface="Times New Roman" pitchFamily="18" charset="0"/>
+              </a:rPr>
+              <a:t>-</a:t>
+            </a:r>
+            <a:r>
+              <a:rPr lang="en-IN" sz="1600" dirty="0">
+                <a:latin typeface="Times New Roman" pitchFamily="18" charset="0"/>
+                <a:cs typeface="Times New Roman" pitchFamily="18" charset="0"/>
+              </a:rPr>
+              <a:t> SVM</a:t>
+            </a:r>
+          </a:p>
+          <a:p>
+            <a:pPr marL="457200" lvl="1" indent="0" algn="just">
+              <a:lnSpc>
+                <a:spcPct val="150000"/>
+              </a:lnSpc>
+              <a:buFontTx/>
+              <a:buChar char="-"/>
+            </a:pPr>
+            <a:r>
+              <a:rPr lang="en-IN" sz="1600" dirty="0">
+                <a:latin typeface="Times New Roman" pitchFamily="18" charset="0"/>
+                <a:cs typeface="Times New Roman" pitchFamily="18" charset="0"/>
+              </a:rPr>
+              <a:t> Decision Tree </a:t>
+            </a:r>
+            <a:r>
+              <a:rPr lang="en-US" sz="1600" dirty="0">
+                <a:latin typeface="Times New Roman" pitchFamily="18" charset="0"/>
+                <a:cs typeface="Times New Roman" pitchFamily="18" charset="0"/>
+              </a:rPr>
+              <a:t>Classifier</a:t>
+            </a:r>
+            <a:endParaRPr lang="en-IN" sz="1600" dirty="0">
+              <a:latin typeface="Times New Roman" pitchFamily="18" charset="0"/>
+              <a:cs typeface="Times New Roman" pitchFamily="18" charset="0"/>
+            </a:endParaRPr>
+          </a:p>
+          <a:p>
+            <a:pPr marL="457200" lvl="1" indent="0" algn="just">
+              <a:lnSpc>
+                <a:spcPct val="150000"/>
+              </a:lnSpc>
+              <a:buFontTx/>
+              <a:buChar char="-"/>
+            </a:pPr>
+            <a:r>
+              <a:rPr lang="en-IN" sz="1600" dirty="0">
+                <a:latin typeface="Times New Roman" pitchFamily="18" charset="0"/>
+                <a:cs typeface="Times New Roman" pitchFamily="18" charset="0"/>
+              </a:rPr>
+              <a:t> Random Forest </a:t>
+            </a:r>
+          </a:p>
+          <a:p>
+            <a:pPr marL="457200" lvl="1" indent="0" algn="just">
+              <a:lnSpc>
+                <a:spcPct val="150000"/>
+              </a:lnSpc>
+              <a:buFontTx/>
+              <a:buChar char="-"/>
+            </a:pPr>
+            <a:r>
+              <a:rPr lang="en-IN" sz="1600" dirty="0">
+                <a:latin typeface="Times New Roman" pitchFamily="18" charset="0"/>
+                <a:cs typeface="Times New Roman" pitchFamily="18" charset="0"/>
+              </a:rPr>
+              <a:t> MLP</a:t>
+            </a:r>
+          </a:p>
+          <a:p>
+            <a:pPr lvl="1" algn="just">
+              <a:lnSpc>
+                <a:spcPct val="150000"/>
+              </a:lnSpc>
+              <a:buFont typeface="Wingdings" panose="05000000000000000000" pitchFamily="2" charset="2"/>
+              <a:buChar char="§"/>
+            </a:pPr>
+            <a:r>
+              <a:rPr lang="en-IN" sz="1800" b="1" dirty="0">
+                <a:latin typeface="Times New Roman" pitchFamily="18" charset="0"/>
+                <a:cs typeface="Times New Roman" pitchFamily="18" charset="0"/>
+              </a:rPr>
+              <a:t>Performance of different machine learning models in analysed by using metrics such as: </a:t>
+            </a:r>
+          </a:p>
+          <a:p>
+            <a:pPr marL="457200" lvl="1" indent="0" algn="just">
+              <a:lnSpc>
+                <a:spcPct val="150000"/>
+              </a:lnSpc>
+              <a:buNone/>
+            </a:pPr>
+            <a:r>
+              <a:rPr lang="en-IN" sz="1600" b="1" dirty="0">
+                <a:latin typeface="Times New Roman" pitchFamily="18" charset="0"/>
+                <a:cs typeface="Times New Roman" pitchFamily="18" charset="0"/>
+              </a:rPr>
+              <a:t>-  </a:t>
+            </a:r>
+            <a:r>
+              <a:rPr lang="en-IN" sz="1600" dirty="0">
+                <a:latin typeface="Times New Roman" pitchFamily="18" charset="0"/>
+                <a:cs typeface="Times New Roman" pitchFamily="18" charset="0"/>
+              </a:rPr>
+              <a:t>Confusion Metric		-  Recall</a:t>
+            </a:r>
+          </a:p>
+          <a:p>
+            <a:pPr marL="457200" lvl="1" indent="0" algn="just">
+              <a:lnSpc>
+                <a:spcPct val="150000"/>
+              </a:lnSpc>
+              <a:buNone/>
+            </a:pPr>
+            <a:r>
+              <a:rPr lang="en-IN" sz="1600" dirty="0">
+                <a:latin typeface="Times New Roman" pitchFamily="18" charset="0"/>
+                <a:cs typeface="Times New Roman" pitchFamily="18" charset="0"/>
+              </a:rPr>
+              <a:t>-  Accuracy			-  Precision</a:t>
+            </a:r>
+          </a:p>
+          <a:p>
+            <a:pPr marL="457200" lvl="1" indent="0" algn="just">
+              <a:lnSpc>
+                <a:spcPct val="150000"/>
+              </a:lnSpc>
+              <a:buNone/>
+            </a:pPr>
+            <a:r>
+              <a:rPr lang="en-IN" sz="1600" dirty="0">
+                <a:latin typeface="Times New Roman" pitchFamily="18" charset="0"/>
+                <a:cs typeface="Times New Roman" pitchFamily="18" charset="0"/>
+              </a:rPr>
+              <a:t>-  F1-score			-  Support</a:t>
+            </a:r>
+          </a:p>
+        </p:txBody>
+      </p:sp>
+    </p:spTree>
+  </p:cSld>
+  <p:clrMapOvr>
+    <a:masterClrMapping/>
+  </p:clrMapOvr>
+</p:sld>
+</file>
+
+<file path=ppt/slides/slide9.xml><?xml version="1.0" encoding="utf-8"?>
+<p:sld xmlns:a="http://schemas.openxmlformats.org/drawingml/2006/main" xmlns:r="http://schemas.openxmlformats.org/officeDocument/2006/relationships" xmlns:p="http://schemas.openxmlformats.org/presentationml/2006/main">
+  <p:cSld>
+    <p:spTree>
+      <p:nvGrpSpPr>
+        <p:cNvPr id="1" name=""/>
+        <p:cNvGrpSpPr/>
+        <p:nvPr/>
+      </p:nvGrpSpPr>
+      <p:grpSpPr>
+        <a:xfrm>
+          <a:off x="0" y="0"/>
+          <a:ext cx="0" cy="0"/>
+          <a:chOff x="0" y="0"/>
+          <a:chExt cx="0" cy="0"/>
+        </a:xfrm>
+      </p:grpSpPr>
+      <p:sp>
+        <p:nvSpPr>
+          <p:cNvPr id="2" name="Title 1">
+            <a:extLst>
+              <a:ext uri="{FF2B5EF4-FFF2-40B4-BE49-F238E27FC236}">
+                <a16:creationId xmlns:a16="http://schemas.microsoft.com/office/drawing/2014/main" id="{90F42214-20BA-4830-AAE9-18E108664252}"/>
+              </a:ext>
+            </a:extLst>
+          </p:cNvPr>
+          <p:cNvSpPr>
+            <a:spLocks noGrp="1"/>
+          </p:cNvSpPr>
+          <p:nvPr>
+            <p:ph type="title"/>
+          </p:nvPr>
+        </p:nvSpPr>
+        <p:spPr/>
+        <p:txBody>
+          <a:bodyPr/>
+          <a:lstStyle/>
+          <a:p>
+            <a:r>
+              <a:rPr lang="en-US" dirty="0"/>
+              <a:t>Support Vector Machine</a:t>
+            </a:r>
+          </a:p>
+        </p:txBody>
+      </p:sp>
+      <p:pic>
+        <p:nvPicPr>
+          <p:cNvPr id="5" name="Content Placeholder 4">
+            <a:extLst>
+              <a:ext uri="{FF2B5EF4-FFF2-40B4-BE49-F238E27FC236}">
+                <a16:creationId xmlns:a16="http://schemas.microsoft.com/office/drawing/2014/main" id="{CA306D58-0F1B-4CCC-B797-8B45CBA9A52D}"/>
+              </a:ext>
+            </a:extLst>
+          </p:cNvPr>
+          <p:cNvPicPr>
+            <a:picLocks noGrp="1" noChangeAspect="1"/>
+          </p:cNvPicPr>
+          <p:nvPr>
+            <p:ph idx="1"/>
+          </p:nvPr>
+        </p:nvPicPr>
+        <p:blipFill>
+          <a:blip r:embed="rId2">
+            <a:extLst>
+              <a:ext uri="{28A0092B-C50C-407E-A947-70E740481C1C}">
+                <a14:useLocalDpi xmlns:a14="http://schemas.microsoft.com/office/drawing/2010/main" val="0"/>
+              </a:ext>
+            </a:extLst>
+          </a:blip>
+          <a:stretch>
+            <a:fillRect/>
+          </a:stretch>
+        </p:blipFill>
+        <p:spPr>
+          <a:xfrm>
+            <a:off x="1043608" y="1772816"/>
+            <a:ext cx="4176463" cy="4248471"/>
+          </a:xfrm>
+        </p:spPr>
+      </p:pic>
+    </p:spTree>
+    <p:extLst>
+      <p:ext uri="{BB962C8B-B14F-4D97-AF65-F5344CB8AC3E}">
+        <p14:creationId xmlns:p14="http://schemas.microsoft.com/office/powerpoint/2010/main" val="1573171809"/>
+      </p:ext>
+    </p:extLst>
   </p:cSld>
   <p:clrMapOvr>
     <a:masterClrMapping/>
